--- a/Bai 13 Cai dat VSM.pptx
+++ b/Bai 13 Cai dat VSM.pptx
@@ -8258,18 +8258,29 @@
         </p:nvSpPr>
         <p:spPr>
           <a:xfrm>
-            <a:off x="1259632" y="3645024"/>
-            <a:ext cx="6768752" cy="792088"/>
+            <a:off x="611560" y="3645024"/>
+            <a:ext cx="7920880" cy="792088"/>
           </a:xfrm>
         </p:spPr>
         <p:txBody>
           <a:bodyPr/>
           <a:lstStyle/>
           <a:p>
-            <a:pPr algn="r" eaLnBrk="1" hangingPunct="1"/>
+            <a:pPr algn="just" eaLnBrk="1" hangingPunct="1"/>
             <a:r>
               <a:rPr lang="vi-VN" sz="2800" dirty="0" smtClean="0"/>
-              <a:t>Chương 13. Cài đặt mô hình không gian vec-tơ</a:t>
+              <a:t>Chương 13. Cài đặt mô hình không </a:t>
+            </a:r>
+            <a:r>
+              <a:rPr lang="vi-VN" sz="2800" smtClean="0"/>
+              <a:t>gian vec-tơ</a:t>
+            </a:r>
+          </a:p>
+          <a:p>
+            <a:pPr algn="just" eaLnBrk="1" hangingPunct="1"/>
+            <a:r>
+              <a:rPr lang="vi-VN" sz="2800" smtClean="0"/>
+              <a:t>IIR.C7. Computing scores in a complete search system</a:t>
             </a:r>
             <a:endParaRPr lang="vi-VN" sz="2000" dirty="0" smtClean="0"/>
           </a:p>
@@ -11416,11 +11427,7 @@
             </a:r>
             <a:r>
               <a:rPr lang="en-US" sz="2400" dirty="0" smtClean="0"/>
-              <a:t>:            </a:t>
-            </a:r>
-            <a:r>
-              <a:rPr lang="en-US" sz="2400" dirty="0" smtClean="0"/>
-              <a:t> </a:t>
+              <a:t>:             </a:t>
             </a:r>
           </a:p>
           <a:p>
@@ -27827,9 +27834,6 @@
               </a:rPr>
               <a:t>K;</a:t>
             </a:r>
-            <a:endParaRPr lang="vi-VN" sz="2400" i="1" dirty="0" smtClean="0">
-              <a:ea typeface="ＭＳ Ｐゴシック" panose="020B0600070205080204" pitchFamily="34" charset="-128"/>
-            </a:endParaRPr>
           </a:p>
           <a:p>
             <a:pPr algn="just"/>
@@ -29750,9 +29754,6 @@
               </a:rPr>
               <a:t>Trực quan hóa</a:t>
             </a:r>
-            <a:endParaRPr lang="vi-VN" altLang="zh-CN" sz="3600" dirty="0" smtClean="0">
-              <a:ea typeface="宋体" panose="02010600030101010101" pitchFamily="2" charset="-122"/>
-            </a:endParaRPr>
           </a:p>
         </p:txBody>
       </p:sp>

--- a/Bai 13 Cai dat VSM.pptx
+++ b/Bai 13 Cai dat VSM.pptx
@@ -177,7 +177,7 @@
   </p:defaultTextStyle>
   <p:extLst>
     <p:ext uri="{EFAFB233-063F-42B5-8137-9DF3F51BA10A}">
-      <p15:sldGuideLst xmlns="" xmlns:p15="http://schemas.microsoft.com/office/powerpoint/2012/main">
+      <p15:sldGuideLst xmlns:p15="http://schemas.microsoft.com/office/powerpoint/2012/main" xmlns="">
         <p15:guide id="1" orient="horz" pos="2160">
           <p15:clr>
             <a:srgbClr val="A4A3A4"/>
@@ -8258,8 +8258,8 @@
         </p:nvSpPr>
         <p:spPr>
           <a:xfrm>
-            <a:off x="611560" y="3645024"/>
-            <a:ext cx="7920880" cy="792088"/>
+            <a:off x="611560" y="3429000"/>
+            <a:ext cx="7920880" cy="1512888"/>
           </a:xfrm>
         </p:spPr>
         <p:txBody>
@@ -8268,8 +8268,12 @@
           <a:p>
             <a:pPr algn="just" eaLnBrk="1" hangingPunct="1"/>
             <a:r>
+              <a:rPr lang="vi-VN" sz="2800" smtClean="0"/>
+              <a:t>Bài 13</a:t>
+            </a:r>
+            <a:r>
               <a:rPr lang="vi-VN" sz="2800" dirty="0" smtClean="0"/>
-              <a:t>Chương 13. Cài đặt mô hình không </a:t>
+              <a:t>. Cài đặt mô hình không </a:t>
             </a:r>
             <a:r>
               <a:rPr lang="vi-VN" sz="2800" smtClean="0"/>
@@ -47398,7 +47402,7 @@
   </a:extraClrSchemeLst>
   <a:extLst>
     <a:ext uri="{05A4C25C-085E-4340-85A3-A5531E510DB2}">
-      <thm15:themeFamily xmlns="" xmlns:thm15="http://schemas.microsoft.com/office/thememl/2012/main" name="Office Theme" id="{62F939B6-93AF-4DB8-9C6B-D6C7DFDC589F}" vid="{4A3C46E8-61CC-4603-A589-7422A47A8E4A}"/>
+      <thm15:themeFamily xmlns:thm15="http://schemas.microsoft.com/office/thememl/2012/main" xmlns="" name="Office Theme" id="{62F939B6-93AF-4DB8-9C6B-D6C7DFDC589F}" vid="{4A3C46E8-61CC-4603-A589-7422A47A8E4A}"/>
     </a:ext>
   </a:extLst>
 </a:theme>
@@ -47659,7 +47663,7 @@
   <a:extraClrSchemeLst/>
   <a:extLst>
     <a:ext uri="{05A4C25C-085E-4340-85A3-A5531E510DB2}">
-      <thm15:themeFamily xmlns="" xmlns:thm15="http://schemas.microsoft.com/office/thememl/2012/main" name="Office Theme" id="{62F939B6-93AF-4DB8-9C6B-D6C7DFDC589F}" vid="{4A3C46E8-61CC-4603-A589-7422A47A8E4A}"/>
+      <thm15:themeFamily xmlns:thm15="http://schemas.microsoft.com/office/thememl/2012/main" xmlns="" name="Office Theme" id="{62F939B6-93AF-4DB8-9C6B-D6C7DFDC589F}" vid="{4A3C46E8-61CC-4603-A589-7422A47A8E4A}"/>
     </a:ext>
   </a:extLst>
 </a:theme>

--- a/Bai 13 Cai dat VSM.pptx
+++ b/Bai 13 Cai dat VSM.pptx
@@ -177,7 +177,7 @@
   </p:defaultTextStyle>
   <p:extLst>
     <p:ext uri="{EFAFB233-063F-42B5-8137-9DF3F51BA10A}">
-      <p15:sldGuideLst xmlns:p15="http://schemas.microsoft.com/office/powerpoint/2012/main" xmlns="">
+      <p15:sldGuideLst xmlns="" xmlns:p15="http://schemas.microsoft.com/office/powerpoint/2012/main">
         <p15:guide id="1" orient="horz" pos="2160">
           <p15:clr>
             <a:srgbClr val="A4A3A4"/>
@@ -42782,11 +42782,20 @@
           <a:lstStyle/>
           <a:p>
             <a:r>
-              <a:rPr lang="vi-VN" sz="3600" dirty="0" smtClean="0">
+              <a:rPr lang="vi-VN" sz="3600" smtClean="0">
                 <a:ea typeface="ＭＳ Ｐゴシック" panose="020B0600070205080204" pitchFamily="34" charset="-128"/>
               </a:rPr>
-              <a:t>Bài tập</a:t>
-            </a:r>
+              <a:t>Bài </a:t>
+            </a:r>
+            <a:r>
+              <a:rPr lang="vi-VN" sz="3600" smtClean="0">
+                <a:ea typeface="ＭＳ Ｐゴシック" panose="020B0600070205080204" pitchFamily="34" charset="-128"/>
+              </a:rPr>
+              <a:t>tập 13.1</a:t>
+            </a:r>
+            <a:endParaRPr lang="vi-VN" sz="3600" dirty="0" smtClean="0">
+              <a:ea typeface="ＭＳ Ｐゴシック" panose="020B0600070205080204" pitchFamily="34" charset="-128"/>
+            </a:endParaRPr>
           </a:p>
         </p:txBody>
       </p:sp>
@@ -47402,7 +47411,7 @@
   </a:extraClrSchemeLst>
   <a:extLst>
     <a:ext uri="{05A4C25C-085E-4340-85A3-A5531E510DB2}">
-      <thm15:themeFamily xmlns:thm15="http://schemas.microsoft.com/office/thememl/2012/main" xmlns="" name="Office Theme" id="{62F939B6-93AF-4DB8-9C6B-D6C7DFDC589F}" vid="{4A3C46E8-61CC-4603-A589-7422A47A8E4A}"/>
+      <thm15:themeFamily xmlns="" xmlns:thm15="http://schemas.microsoft.com/office/thememl/2012/main" name="Office Theme" id="{62F939B6-93AF-4DB8-9C6B-D6C7DFDC589F}" vid="{4A3C46E8-61CC-4603-A589-7422A47A8E4A}"/>
     </a:ext>
   </a:extLst>
 </a:theme>
@@ -47663,7 +47672,7 @@
   <a:extraClrSchemeLst/>
   <a:extLst>
     <a:ext uri="{05A4C25C-085E-4340-85A3-A5531E510DB2}">
-      <thm15:themeFamily xmlns:thm15="http://schemas.microsoft.com/office/thememl/2012/main" xmlns="" name="Office Theme" id="{62F939B6-93AF-4DB8-9C6B-D6C7DFDC589F}" vid="{4A3C46E8-61CC-4603-A589-7422A47A8E4A}"/>
+      <thm15:themeFamily xmlns="" xmlns:thm15="http://schemas.microsoft.com/office/thememl/2012/main" name="Office Theme" id="{62F939B6-93AF-4DB8-9C6B-D6C7DFDC589F}" vid="{4A3C46E8-61CC-4603-A589-7422A47A8E4A}"/>
     </a:ext>
   </a:extLst>
 </a:theme>

--- a/Bai 13 Cai dat VSM.pptx
+++ b/Bai 13 Cai dat VSM.pptx
@@ -5,7 +5,7 @@
     <p:sldMasterId id="2147483652" r:id="rId1"/>
   </p:sldMasterIdLst>
   <p:notesMasterIdLst>
-    <p:notesMasterId r:id="rId41"/>
+    <p:notesMasterId r:id="rId43"/>
   </p:notesMasterIdLst>
   <p:sldIdLst>
     <p:sldId id="313" r:id="rId2"/>
@@ -46,7 +46,9 @@
     <p:sldId id="516" r:id="rId37"/>
     <p:sldId id="533" r:id="rId38"/>
     <p:sldId id="518" r:id="rId39"/>
-    <p:sldId id="418" r:id="rId40"/>
+    <p:sldId id="534" r:id="rId40"/>
+    <p:sldId id="535" r:id="rId41"/>
+    <p:sldId id="418" r:id="rId42"/>
   </p:sldIdLst>
   <p:sldSz cx="9144000" cy="6858000" type="screen4x3"/>
   <p:notesSz cx="6858000" cy="9144000"/>
@@ -177,7 +179,7 @@
   </p:defaultTextStyle>
   <p:extLst>
     <p:ext uri="{EFAFB233-063F-42B5-8137-9DF3F51BA10A}">
-      <p15:sldGuideLst xmlns="" xmlns:p15="http://schemas.microsoft.com/office/powerpoint/2012/main">
+      <p15:sldGuideLst xmlns:p15="http://schemas.microsoft.com/office/powerpoint/2012/main" xmlns="">
         <p15:guide id="1" orient="horz" pos="2160">
           <p15:clr>
             <a:srgbClr val="A4A3A4"/>
@@ -42785,13 +42787,7 @@
               <a:rPr lang="vi-VN" sz="3600" smtClean="0">
                 <a:ea typeface="ＭＳ Ｐゴシック" panose="020B0600070205080204" pitchFamily="34" charset="-128"/>
               </a:rPr>
-              <a:t>Bài </a:t>
-            </a:r>
-            <a:r>
-              <a:rPr lang="vi-VN" sz="3600" smtClean="0">
-                <a:ea typeface="ＭＳ Ｐゴシック" panose="020B0600070205080204" pitchFamily="34" charset="-128"/>
-              </a:rPr>
-              <a:t>tập 13.1</a:t>
+              <a:t>Bài tập 13.1</a:t>
             </a:r>
             <a:endParaRPr lang="vi-VN" sz="3600" dirty="0" smtClean="0">
               <a:ea typeface="ＭＳ Ｐゴシック" panose="020B0600070205080204" pitchFamily="34" charset="-128"/>
@@ -42819,12 +42815,104 @@
           <a:bodyPr/>
           <a:lstStyle/>
           <a:p>
-            <a:pPr algn="just"/>
+            <a:pPr marL="0" indent="0" algn="just">
+              <a:buNone/>
+            </a:pPr>
             <a:r>
               <a:rPr lang="vi-VN" sz="2800" dirty="0" smtClean="0">
                 <a:ea typeface="ＭＳ Ｐゴシック" panose="020B0600070205080204" pitchFamily="34" charset="-128"/>
               </a:rPr>
-              <a:t>Giả sử đại lượng bất biến cho Doc1, Doc2, Doc3 lần lượt là 0.25, 0.5 và 1. Hãy vẽ danh sách thẻ định vị nếu thẻ định vị được sắp xếp theo tổng của đại lượng bất biến và tf chuẩn hóa Euclid (chính là chuẩn hóa cosine).</a:t>
+              <a:t>Giả sử đại </a:t>
+            </a:r>
+            <a:r>
+              <a:rPr lang="vi-VN" sz="2800" smtClean="0">
+                <a:ea typeface="ＭＳ Ｐゴシック" panose="020B0600070205080204" pitchFamily="34" charset="-128"/>
+              </a:rPr>
+              <a:t>lượng </a:t>
+            </a:r>
+            <a:r>
+              <a:rPr lang="vi-VN" sz="2800" smtClean="0">
+                <a:ea typeface="ＭＳ Ｐゴシック" panose="020B0600070205080204" pitchFamily="34" charset="-128"/>
+              </a:rPr>
+              <a:t>ưu tiên</a:t>
+            </a:r>
+            <a:r>
+              <a:rPr lang="vi-VN" sz="2800" smtClean="0">
+                <a:ea typeface="ＭＳ Ｐゴシック" panose="020B0600070205080204" pitchFamily="34" charset="-128"/>
+              </a:rPr>
+              <a:t> </a:t>
+            </a:r>
+            <a:r>
+              <a:rPr lang="vi-VN" sz="2800" dirty="0" smtClean="0">
+                <a:ea typeface="ＭＳ Ｐゴシック" panose="020B0600070205080204" pitchFamily="34" charset="-128"/>
+              </a:rPr>
+              <a:t>cho Doc1, Doc2, Doc3 lần lượt là 0.25, 0.5 và 1. Hãy vẽ danh sách thẻ định vị nếu thẻ định vị được sắp xếp theo tổng của đại </a:t>
+            </a:r>
+            <a:r>
+              <a:rPr lang="vi-VN" sz="2800" smtClean="0">
+                <a:ea typeface="ＭＳ Ｐゴシック" panose="020B0600070205080204" pitchFamily="34" charset="-128"/>
+              </a:rPr>
+              <a:t>lượng </a:t>
+            </a:r>
+            <a:r>
+              <a:rPr lang="vi-VN" sz="2800" smtClean="0">
+                <a:ea typeface="ＭＳ Ｐゴシック" panose="020B0600070205080204" pitchFamily="34" charset="-128"/>
+              </a:rPr>
+              <a:t>ưu tiên</a:t>
+            </a:r>
+            <a:r>
+              <a:rPr lang="vi-VN" sz="2800" smtClean="0">
+                <a:ea typeface="ＭＳ Ｐゴシック" panose="020B0600070205080204" pitchFamily="34" charset="-128"/>
+              </a:rPr>
+              <a:t> </a:t>
+            </a:r>
+            <a:r>
+              <a:rPr lang="vi-VN" sz="2800" dirty="0" smtClean="0">
+                <a:ea typeface="ＭＳ Ｐゴシック" panose="020B0600070205080204" pitchFamily="34" charset="-128"/>
+              </a:rPr>
+              <a:t>và </a:t>
+            </a:r>
+            <a:r>
+              <a:rPr lang="vi-VN" sz="2800" smtClean="0">
+                <a:ea typeface="ＭＳ Ｐゴシック" panose="020B0600070205080204" pitchFamily="34" charset="-128"/>
+              </a:rPr>
+              <a:t>tf </a:t>
+            </a:r>
+            <a:r>
+              <a:rPr lang="vi-VN" sz="2800" smtClean="0">
+                <a:ea typeface="ＭＳ Ｐゴシック" panose="020B0600070205080204" pitchFamily="34" charset="-128"/>
+              </a:rPr>
+              <a:t>đã </a:t>
+            </a:r>
+            <a:r>
+              <a:rPr lang="vi-VN" sz="2800" smtClean="0">
+                <a:ea typeface="ＭＳ Ｐゴシック" panose="020B0600070205080204" pitchFamily="34" charset="-128"/>
+              </a:rPr>
+              <a:t>chuẩn </a:t>
+            </a:r>
+            <a:r>
+              <a:rPr lang="vi-VN" sz="2800" dirty="0" smtClean="0">
+                <a:ea typeface="ＭＳ Ｐゴシック" panose="020B0600070205080204" pitchFamily="34" charset="-128"/>
+              </a:rPr>
+              <a:t>hóa </a:t>
+            </a:r>
+            <a:r>
+              <a:rPr lang="vi-VN" sz="2800" smtClean="0">
+                <a:ea typeface="ＭＳ Ｐゴシック" panose="020B0600070205080204" pitchFamily="34" charset="-128"/>
+              </a:rPr>
+              <a:t>Euclid </a:t>
+            </a:r>
+            <a:r>
+              <a:rPr lang="vi-VN" sz="2800" smtClean="0">
+                <a:ea typeface="ＭＳ Ｐゴシック" panose="020B0600070205080204" pitchFamily="34" charset="-128"/>
+              </a:rPr>
+              <a:t>(chuẩn hóa Euclid là tên gọi khác của chuẩn </a:t>
+            </a:r>
+            <a:r>
+              <a:rPr lang="vi-VN" sz="2800" dirty="0" smtClean="0">
+                <a:ea typeface="ＭＳ Ｐゴシック" panose="020B0600070205080204" pitchFamily="34" charset="-128"/>
+              </a:rPr>
+              <a:t>hóa cosine).</a:t>
             </a:r>
             <a:endParaRPr lang="vi-VN" sz="2800" dirty="0" smtClean="0">
               <a:solidFill>
@@ -43320,6 +43408,1290 @@
       </p:grpSpPr>
       <p:sp>
         <p:nvSpPr>
+          <p:cNvPr id="56322" name="Title 1"/>
+          <p:cNvSpPr>
+            <a:spLocks noGrp="1"/>
+          </p:cNvSpPr>
+          <p:nvPr>
+            <p:ph type="title"/>
+          </p:nvPr>
+        </p:nvSpPr>
+        <p:spPr/>
+        <p:txBody>
+          <a:bodyPr/>
+          <a:lstStyle/>
+          <a:p>
+            <a:r>
+              <a:rPr lang="vi-VN" sz="3600" smtClean="0">
+                <a:ea typeface="ＭＳ Ｐゴシック" panose="020B0600070205080204" pitchFamily="34" charset="-128"/>
+              </a:rPr>
+              <a:t>Bài tập </a:t>
+            </a:r>
+            <a:r>
+              <a:rPr lang="vi-VN" sz="3600" smtClean="0">
+                <a:ea typeface="ＭＳ Ｐゴシック" panose="020B0600070205080204" pitchFamily="34" charset="-128"/>
+              </a:rPr>
+              <a:t>13.2</a:t>
+            </a:r>
+            <a:endParaRPr lang="vi-VN" sz="3600" dirty="0" smtClean="0">
+              <a:ea typeface="ＭＳ Ｐゴシック" panose="020B0600070205080204" pitchFamily="34" charset="-128"/>
+            </a:endParaRPr>
+          </a:p>
+        </p:txBody>
+      </p:sp>
+      <p:sp>
+        <p:nvSpPr>
+          <p:cNvPr id="56323" name="Content Placeholder 2"/>
+          <p:cNvSpPr>
+            <a:spLocks noGrp="1"/>
+          </p:cNvSpPr>
+          <p:nvPr>
+            <p:ph idx="1"/>
+          </p:nvPr>
+        </p:nvSpPr>
+        <p:spPr>
+          <a:xfrm>
+            <a:off x="611560" y="2017713"/>
+            <a:ext cx="8343528" cy="2131367"/>
+          </a:xfrm>
+        </p:spPr>
+        <p:txBody>
+          <a:bodyPr/>
+          <a:lstStyle/>
+          <a:p>
+            <a:pPr marL="0" indent="0" algn="just">
+              <a:buNone/>
+            </a:pPr>
+            <a:r>
+              <a:rPr lang="vi-VN" sz="2800" smtClean="0">
+                <a:ea typeface="ＭＳ Ｐゴシック" panose="020B0600070205080204" pitchFamily="34" charset="-128"/>
+              </a:rPr>
+              <a:t>Nếu truy vấn chỉ chứa một từ, hãy giải thích vì sao sử dụng danh sách ưu tiên với r = K là đủ để xác định K văn bản hàng đầu. Hãy gợi ý một điều chỉnh đơn giản cho trường hợp có s từ truy vấn với s &gt; 1.</a:t>
+            </a:r>
+          </a:p>
+        </p:txBody>
+      </p:sp>
+      <p:sp>
+        <p:nvSpPr>
+          <p:cNvPr id="56324" name="TextBox 4"/>
+          <p:cNvSpPr txBox="1">
+            <a:spLocks noChangeArrowheads="1"/>
+          </p:cNvSpPr>
+          <p:nvPr/>
+        </p:nvSpPr>
+        <p:spPr bwMode="auto">
+          <a:xfrm>
+            <a:off x="7620000" y="-33338"/>
+            <a:ext cx="1166813" cy="338138"/>
+          </a:xfrm>
+          <a:prstGeom prst="rect">
+            <a:avLst/>
+          </a:prstGeom>
+          <a:noFill/>
+          <a:ln>
+            <a:noFill/>
+          </a:ln>
+          <a:extLst>
+            <a:ext uri="{909E8E84-426E-40DD-AFC4-6F175D3DCCD1}">
+              <a14:hiddenFill xmlns:a14="http://schemas.microsoft.com/office/drawing/2010/main">
+                <a:solidFill>
+                  <a:srgbClr val="FFFFFF"/>
+                </a:solidFill>
+              </a14:hiddenFill>
+            </a:ext>
+            <a:ext uri="{91240B29-F687-4F45-9708-019B960494DF}">
+              <a14:hiddenLine xmlns:a14="http://schemas.microsoft.com/office/drawing/2010/main" w="9525">
+                <a:solidFill>
+                  <a:srgbClr val="000000"/>
+                </a:solidFill>
+                <a:miter lim="800000"/>
+                <a:headEnd/>
+                <a:tailEnd/>
+              </a14:hiddenLine>
+            </a:ext>
+          </a:extLst>
+        </p:spPr>
+        <p:txBody>
+          <a:bodyPr wrap="none" anchor="ctr">
+            <a:spAutoFit/>
+          </a:bodyPr>
+          <a:lstStyle>
+            <a:lvl1pPr>
+              <a:spcBef>
+                <a:spcPct val="20000"/>
+              </a:spcBef>
+              <a:buClr>
+                <a:srgbClr val="437085"/>
+              </a:buClr>
+              <a:buFont typeface="Wingdings" panose="05000000000000000000" pitchFamily="2" charset="2"/>
+              <a:buChar char="§"/>
+              <a:defRPr sz="2800">
+                <a:solidFill>
+                  <a:schemeClr val="tx1"/>
+                </a:solidFill>
+                <a:latin typeface="Calibri" panose="020F0502020204030204" pitchFamily="34" charset="0"/>
+                <a:ea typeface="ＭＳ Ｐゴシック" panose="020B0600070205080204" pitchFamily="34" charset="-128"/>
+              </a:defRPr>
+            </a:lvl1pPr>
+            <a:lvl2pPr marL="742950" indent="-285750">
+              <a:spcBef>
+                <a:spcPct val="20000"/>
+              </a:spcBef>
+              <a:buClr>
+                <a:srgbClr val="357E69"/>
+              </a:buClr>
+              <a:buFont typeface="Wingdings" panose="05000000000000000000" pitchFamily="2" charset="2"/>
+              <a:buChar char="§"/>
+              <a:defRPr sz="2400">
+                <a:solidFill>
+                  <a:schemeClr val="tx1"/>
+                </a:solidFill>
+                <a:latin typeface="Calibri" panose="020F0502020204030204" pitchFamily="34" charset="0"/>
+                <a:ea typeface="ＭＳ Ｐゴシック" panose="020B0600070205080204" pitchFamily="34" charset="-128"/>
+              </a:defRPr>
+            </a:lvl2pPr>
+            <a:lvl3pPr marL="1143000" indent="-228600">
+              <a:spcBef>
+                <a:spcPct val="20000"/>
+              </a:spcBef>
+              <a:buClr>
+                <a:srgbClr val="918BA3"/>
+              </a:buClr>
+              <a:buFont typeface="Wingdings" panose="05000000000000000000" pitchFamily="2" charset="2"/>
+              <a:buChar char="§"/>
+              <a:defRPr sz="2000">
+                <a:solidFill>
+                  <a:schemeClr val="tx1"/>
+                </a:solidFill>
+                <a:latin typeface="Calibri" panose="020F0502020204030204" pitchFamily="34" charset="0"/>
+                <a:ea typeface="ＭＳ Ｐゴシック" panose="020B0600070205080204" pitchFamily="34" charset="-128"/>
+              </a:defRPr>
+            </a:lvl3pPr>
+            <a:lvl4pPr marL="1600200" indent="-228600">
+              <a:spcBef>
+                <a:spcPct val="20000"/>
+              </a:spcBef>
+              <a:buClr>
+                <a:srgbClr val="2F6E7E"/>
+              </a:buClr>
+              <a:buFont typeface="Wingdings" panose="05000000000000000000" pitchFamily="2" charset="2"/>
+              <a:buChar char="§"/>
+              <a:defRPr sz="2000">
+                <a:solidFill>
+                  <a:schemeClr val="tx1"/>
+                </a:solidFill>
+                <a:latin typeface="Calibri" panose="020F0502020204030204" pitchFamily="34" charset="0"/>
+                <a:ea typeface="ＭＳ Ｐゴシック" panose="020B0600070205080204" pitchFamily="34" charset="-128"/>
+              </a:defRPr>
+            </a:lvl4pPr>
+            <a:lvl5pPr marL="2057400" indent="-228600">
+              <a:spcBef>
+                <a:spcPct val="20000"/>
+              </a:spcBef>
+              <a:buClr>
+                <a:srgbClr val="233337"/>
+              </a:buClr>
+              <a:buFont typeface="Wingdings" panose="05000000000000000000" pitchFamily="2" charset="2"/>
+              <a:buChar char="§"/>
+              <a:defRPr sz="2000">
+                <a:solidFill>
+                  <a:schemeClr val="tx1"/>
+                </a:solidFill>
+                <a:latin typeface="Calibri" panose="020F0502020204030204" pitchFamily="34" charset="0"/>
+                <a:ea typeface="ＭＳ Ｐゴシック" panose="020B0600070205080204" pitchFamily="34" charset="-128"/>
+              </a:defRPr>
+            </a:lvl5pPr>
+            <a:lvl6pPr marL="2514600" indent="-228600" eaLnBrk="0" fontAlgn="base" hangingPunct="0">
+              <a:spcBef>
+                <a:spcPct val="20000"/>
+              </a:spcBef>
+              <a:spcAft>
+                <a:spcPct val="0"/>
+              </a:spcAft>
+              <a:buClr>
+                <a:srgbClr val="233337"/>
+              </a:buClr>
+              <a:buFont typeface="Wingdings" panose="05000000000000000000" pitchFamily="2" charset="2"/>
+              <a:buChar char="§"/>
+              <a:defRPr sz="2000">
+                <a:solidFill>
+                  <a:schemeClr val="tx1"/>
+                </a:solidFill>
+                <a:latin typeface="Calibri" panose="020F0502020204030204" pitchFamily="34" charset="0"/>
+                <a:ea typeface="ＭＳ Ｐゴシック" panose="020B0600070205080204" pitchFamily="34" charset="-128"/>
+              </a:defRPr>
+            </a:lvl6pPr>
+            <a:lvl7pPr marL="2971800" indent="-228600" eaLnBrk="0" fontAlgn="base" hangingPunct="0">
+              <a:spcBef>
+                <a:spcPct val="20000"/>
+              </a:spcBef>
+              <a:spcAft>
+                <a:spcPct val="0"/>
+              </a:spcAft>
+              <a:buClr>
+                <a:srgbClr val="233337"/>
+              </a:buClr>
+              <a:buFont typeface="Wingdings" panose="05000000000000000000" pitchFamily="2" charset="2"/>
+              <a:buChar char="§"/>
+              <a:defRPr sz="2000">
+                <a:solidFill>
+                  <a:schemeClr val="tx1"/>
+                </a:solidFill>
+                <a:latin typeface="Calibri" panose="020F0502020204030204" pitchFamily="34" charset="0"/>
+                <a:ea typeface="ＭＳ Ｐゴシック" panose="020B0600070205080204" pitchFamily="34" charset="-128"/>
+              </a:defRPr>
+            </a:lvl7pPr>
+            <a:lvl8pPr marL="3429000" indent="-228600" eaLnBrk="0" fontAlgn="base" hangingPunct="0">
+              <a:spcBef>
+                <a:spcPct val="20000"/>
+              </a:spcBef>
+              <a:spcAft>
+                <a:spcPct val="0"/>
+              </a:spcAft>
+              <a:buClr>
+                <a:srgbClr val="233337"/>
+              </a:buClr>
+              <a:buFont typeface="Wingdings" panose="05000000000000000000" pitchFamily="2" charset="2"/>
+              <a:buChar char="§"/>
+              <a:defRPr sz="2000">
+                <a:solidFill>
+                  <a:schemeClr val="tx1"/>
+                </a:solidFill>
+                <a:latin typeface="Calibri" panose="020F0502020204030204" pitchFamily="34" charset="0"/>
+                <a:ea typeface="ＭＳ Ｐゴシック" panose="020B0600070205080204" pitchFamily="34" charset="-128"/>
+              </a:defRPr>
+            </a:lvl8pPr>
+            <a:lvl9pPr marL="3886200" indent="-228600" eaLnBrk="0" fontAlgn="base" hangingPunct="0">
+              <a:spcBef>
+                <a:spcPct val="20000"/>
+              </a:spcBef>
+              <a:spcAft>
+                <a:spcPct val="0"/>
+              </a:spcAft>
+              <a:buClr>
+                <a:srgbClr val="233337"/>
+              </a:buClr>
+              <a:buFont typeface="Wingdings" panose="05000000000000000000" pitchFamily="2" charset="2"/>
+              <a:buChar char="§"/>
+              <a:defRPr sz="2000">
+                <a:solidFill>
+                  <a:schemeClr val="tx1"/>
+                </a:solidFill>
+                <a:latin typeface="Calibri" panose="020F0502020204030204" pitchFamily="34" charset="0"/>
+                <a:ea typeface="ＭＳ Ｐゴシック" panose="020B0600070205080204" pitchFamily="34" charset="-128"/>
+              </a:defRPr>
+            </a:lvl9pPr>
+          </a:lstStyle>
+          <a:p>
+            <a:pPr eaLnBrk="1" hangingPunct="1">
+              <a:spcBef>
+                <a:spcPct val="0"/>
+              </a:spcBef>
+              <a:buClrTx/>
+              <a:buFontTx/>
+              <a:buNone/>
+            </a:pPr>
+            <a:r>
+              <a:rPr lang="en-US" sz="1600">
+                <a:solidFill>
+                  <a:srgbClr val="FBFCFF"/>
+                </a:solidFill>
+                <a:latin typeface="Lucida Sans" pitchFamily="34" charset="0"/>
+                <a:ea typeface="Arial Unicode MS" panose="020B0604020202020204" pitchFamily="34" charset="-128"/>
+              </a:rPr>
+              <a:t>Sec. 7.2.3</a:t>
+            </a:r>
+          </a:p>
+        </p:txBody>
+      </p:sp>
+      <p:sp>
+        <p:nvSpPr>
+          <p:cNvPr id="2" name="Slide Number Placeholder 1"/>
+          <p:cNvSpPr>
+            <a:spLocks noGrp="1"/>
+          </p:cNvSpPr>
+          <p:nvPr>
+            <p:ph type="sldNum" sz="quarter" idx="12"/>
+          </p:nvPr>
+        </p:nvSpPr>
+        <p:spPr/>
+        <p:txBody>
+          <a:bodyPr/>
+          <a:lstStyle/>
+          <a:p>
+            <a:pPr>
+              <a:defRPr/>
+            </a:pPr>
+            <a:fld id="{18D75DDA-CB64-4086-83FF-BB38D2754AC9}" type="slidenum">
+              <a:rPr lang="vi-VN" smtClean="0"/>
+              <a:pPr>
+                <a:defRPr/>
+              </a:pPr>
+              <a:t>39</a:t>
+            </a:fld>
+            <a:endParaRPr lang="vi-VN"/>
+          </a:p>
+        </p:txBody>
+      </p:sp>
+    </p:spTree>
+    <p:extLst>
+      <p:ext uri="{BB962C8B-B14F-4D97-AF65-F5344CB8AC3E}">
+        <p14:creationId xmlns:p14="http://schemas.microsoft.com/office/powerpoint/2010/main" val="3721183443"/>
+      </p:ext>
+    </p:extLst>
+  </p:cSld>
+  <p:clrMapOvr>
+    <a:masterClrMapping/>
+  </p:clrMapOvr>
+  <p:timing>
+    <p:tnLst>
+      <p:par>
+        <p:cTn id="1" dur="indefinite" restart="never" nodeType="tmRoot"/>
+      </p:par>
+    </p:tnLst>
+  </p:timing>
+</p:sld>
+</file>
+
+<file path=ppt/slides/slide4.xml><?xml version="1.0" encoding="utf-8"?>
+<p:sld xmlns:a="http://schemas.openxmlformats.org/drawingml/2006/main" xmlns:r="http://schemas.openxmlformats.org/officeDocument/2006/relationships" xmlns:p="http://schemas.openxmlformats.org/presentationml/2006/main">
+  <p:cSld>
+    <p:spTree>
+      <p:nvGrpSpPr>
+        <p:cNvPr id="1" name=""/>
+        <p:cNvGrpSpPr/>
+        <p:nvPr/>
+      </p:nvGrpSpPr>
+      <p:grpSpPr>
+        <a:xfrm>
+          <a:off x="0" y="0"/>
+          <a:ext cx="0" cy="0"/>
+          <a:chOff x="0" y="0"/>
+          <a:chExt cx="0" cy="0"/>
+        </a:xfrm>
+      </p:grpSpPr>
+      <p:sp>
+        <p:nvSpPr>
+          <p:cNvPr id="84995" name="Text Box 2"/>
+          <p:cNvSpPr txBox="1">
+            <a:spLocks noChangeArrowheads="1"/>
+          </p:cNvSpPr>
+          <p:nvPr/>
+        </p:nvSpPr>
+        <p:spPr bwMode="auto">
+          <a:xfrm>
+            <a:off x="1259632" y="297458"/>
+            <a:ext cx="7884368" cy="1403350"/>
+          </a:xfrm>
+          <a:prstGeom prst="rect">
+            <a:avLst/>
+          </a:prstGeom>
+          <a:noFill/>
+          <a:ln>
+            <a:noFill/>
+          </a:ln>
+          <a:effectLst/>
+          <a:extLst>
+            <a:ext uri="{909E8E84-426E-40DD-AFC4-6F175D3DCCD1}">
+              <a14:hiddenFill xmlns:a14="http://schemas.microsoft.com/office/drawing/2010/main">
+                <a:solidFill>
+                  <a:schemeClr val="accent1"/>
+                </a:solidFill>
+              </a14:hiddenFill>
+            </a:ext>
+            <a:ext uri="{91240B29-F687-4F45-9708-019B960494DF}">
+              <a14:hiddenLine xmlns:a14="http://schemas.microsoft.com/office/drawing/2010/main" w="9525">
+                <a:solidFill>
+                  <a:schemeClr val="tx1"/>
+                </a:solidFill>
+                <a:miter lim="800000"/>
+                <a:headEnd/>
+                <a:tailEnd/>
+              </a14:hiddenLine>
+            </a:ext>
+            <a:ext uri="{AF507438-7753-43E0-B8FC-AC1667EBCBE1}">
+              <a14:hiddenEffects xmlns:a14="http://schemas.microsoft.com/office/drawing/2010/main">
+                <a:effectLst>
+                  <a:outerShdw dist="35921" dir="2700000" algn="ctr" rotWithShape="0">
+                    <a:schemeClr val="bg2"/>
+                  </a:outerShdw>
+                </a:effectLst>
+              </a14:hiddenEffects>
+            </a:ext>
+          </a:extLst>
+        </p:spPr>
+        <p:txBody>
+          <a:bodyPr vert="horz" wrap="square" lIns="91440" tIns="45720" rIns="91440" bIns="45720" numCol="1" anchor="b" anchorCtr="0" compatLnSpc="1">
+            <a:prstTxWarp prst="textNoShape">
+              <a:avLst/>
+            </a:prstTxWarp>
+          </a:bodyPr>
+          <a:lstStyle>
+            <a:defPPr>
+              <a:defRPr lang="vi-VN"/>
+            </a:defPPr>
+            <a:lvl1pPr eaLnBrk="1" hangingPunct="1">
+              <a:defRPr sz="3600" b="0">
+                <a:solidFill>
+                  <a:schemeClr val="tx2"/>
+                </a:solidFill>
+                <a:latin typeface="+mj-lt"/>
+                <a:ea typeface="+mj-ea"/>
+                <a:cs typeface="+mj-cs"/>
+              </a:defRPr>
+            </a:lvl1pPr>
+            <a:lvl2pPr>
+              <a:defRPr sz="4400">
+                <a:solidFill>
+                  <a:schemeClr val="tx2"/>
+                </a:solidFill>
+              </a:defRPr>
+            </a:lvl2pPr>
+            <a:lvl3pPr>
+              <a:defRPr sz="4400">
+                <a:solidFill>
+                  <a:schemeClr val="tx2"/>
+                </a:solidFill>
+              </a:defRPr>
+            </a:lvl3pPr>
+            <a:lvl4pPr>
+              <a:defRPr sz="4400">
+                <a:solidFill>
+                  <a:schemeClr val="tx2"/>
+                </a:solidFill>
+              </a:defRPr>
+            </a:lvl4pPr>
+            <a:lvl5pPr>
+              <a:defRPr sz="4400">
+                <a:solidFill>
+                  <a:schemeClr val="tx2"/>
+                </a:solidFill>
+              </a:defRPr>
+            </a:lvl5pPr>
+            <a:lvl6pPr marL="457200" fontAlgn="base">
+              <a:spcBef>
+                <a:spcPct val="0"/>
+              </a:spcBef>
+              <a:spcAft>
+                <a:spcPct val="0"/>
+              </a:spcAft>
+              <a:defRPr sz="4400">
+                <a:solidFill>
+                  <a:schemeClr val="tx2"/>
+                </a:solidFill>
+              </a:defRPr>
+            </a:lvl6pPr>
+            <a:lvl7pPr marL="914400" fontAlgn="base">
+              <a:spcBef>
+                <a:spcPct val="0"/>
+              </a:spcBef>
+              <a:spcAft>
+                <a:spcPct val="0"/>
+              </a:spcAft>
+              <a:defRPr sz="4400">
+                <a:solidFill>
+                  <a:schemeClr val="tx2"/>
+                </a:solidFill>
+              </a:defRPr>
+            </a:lvl7pPr>
+            <a:lvl8pPr marL="1371600" fontAlgn="base">
+              <a:spcBef>
+                <a:spcPct val="0"/>
+              </a:spcBef>
+              <a:spcAft>
+                <a:spcPct val="0"/>
+              </a:spcAft>
+              <a:defRPr sz="4400">
+                <a:solidFill>
+                  <a:schemeClr val="tx2"/>
+                </a:solidFill>
+              </a:defRPr>
+            </a:lvl8pPr>
+            <a:lvl9pPr marL="1828800" fontAlgn="base">
+              <a:spcBef>
+                <a:spcPct val="0"/>
+              </a:spcBef>
+              <a:spcAft>
+                <a:spcPct val="0"/>
+              </a:spcAft>
+              <a:defRPr sz="4400">
+                <a:solidFill>
+                  <a:schemeClr val="tx2"/>
+                </a:solidFill>
+              </a:defRPr>
+            </a:lvl9pPr>
+          </a:lstStyle>
+          <a:p>
+            <a:r>
+              <a:rPr lang="vi-VN" dirty="0" smtClean="0"/>
+              <a:t>Tính top K như thế nào</a:t>
+            </a:r>
+            <a:r>
+              <a:rPr lang="en-US" dirty="0" smtClean="0"/>
+              <a:t>?</a:t>
+            </a:r>
+            <a:endParaRPr lang="en-US" dirty="0"/>
+          </a:p>
+        </p:txBody>
+      </p:sp>
+      <p:sp>
+        <p:nvSpPr>
+          <p:cNvPr id="84996" name="Text Box 3"/>
+          <p:cNvSpPr txBox="1">
+            <a:spLocks noChangeArrowheads="1"/>
+          </p:cNvSpPr>
+          <p:nvPr/>
+        </p:nvSpPr>
+        <p:spPr bwMode="auto">
+          <a:xfrm>
+            <a:off x="395536" y="2073412"/>
+            <a:ext cx="8607330" cy="4091892"/>
+          </a:xfrm>
+          <a:prstGeom prst="rect">
+            <a:avLst/>
+          </a:prstGeom>
+          <a:noFill/>
+          <a:ln>
+            <a:noFill/>
+          </a:ln>
+          <a:effectLst/>
+          <a:extLst>
+            <a:ext uri="{909E8E84-426E-40DD-AFC4-6F175D3DCCD1}">
+              <a14:hiddenFill xmlns:a14="http://schemas.microsoft.com/office/drawing/2010/main">
+                <a:solidFill>
+                  <a:schemeClr val="accent1"/>
+                </a:solidFill>
+              </a14:hiddenFill>
+            </a:ext>
+            <a:ext uri="{91240B29-F687-4F45-9708-019B960494DF}">
+              <a14:hiddenLine xmlns:a14="http://schemas.microsoft.com/office/drawing/2010/main" w="9525">
+                <a:solidFill>
+                  <a:schemeClr val="tx1"/>
+                </a:solidFill>
+                <a:miter lim="800000"/>
+                <a:headEnd/>
+                <a:tailEnd/>
+              </a14:hiddenLine>
+            </a:ext>
+            <a:ext uri="{AF507438-7753-43E0-B8FC-AC1667EBCBE1}">
+              <a14:hiddenEffects xmlns:a14="http://schemas.microsoft.com/office/drawing/2010/main">
+                <a:effectLst>
+                  <a:outerShdw dist="35921" dir="2700000" algn="ctr" rotWithShape="0">
+                    <a:schemeClr val="bg2"/>
+                  </a:outerShdw>
+                </a:effectLst>
+              </a14:hiddenEffects>
+            </a:ext>
+          </a:extLst>
+        </p:spPr>
+        <p:txBody>
+          <a:bodyPr vert="horz" wrap="square" lIns="91440" tIns="45720" rIns="91440" bIns="45720" numCol="1" anchor="t" anchorCtr="0" compatLnSpc="1">
+            <a:prstTxWarp prst="textNoShape">
+              <a:avLst/>
+            </a:prstTxWarp>
+          </a:bodyPr>
+          <a:lstStyle>
+            <a:defPPr>
+              <a:defRPr lang="vi-VN"/>
+            </a:defPPr>
+            <a:lvl1pPr marL="342900" indent="-342900" eaLnBrk="1" hangingPunct="1">
+              <a:spcBef>
+                <a:spcPct val="20000"/>
+              </a:spcBef>
+              <a:buClr>
+                <a:schemeClr val="folHlink"/>
+              </a:buClr>
+              <a:buSzPct val="60000"/>
+              <a:buFont typeface="Wingdings" panose="05000000000000000000" pitchFamily="2" charset="2"/>
+              <a:buChar char="n"/>
+              <a:defRPr sz="2800" b="0">
+                <a:latin typeface="+mn-lt"/>
+                <a:ea typeface="宋体" panose="02010600030101010101" pitchFamily="2" charset="-122"/>
+                <a:cs typeface="+mn-cs"/>
+              </a:defRPr>
+            </a:lvl1pPr>
+            <a:lvl2pPr marL="742950" lvl="1" indent="-285750" algn="just" eaLnBrk="1" hangingPunct="1">
+              <a:spcBef>
+                <a:spcPct val="20000"/>
+              </a:spcBef>
+              <a:buClr>
+                <a:schemeClr val="hlink"/>
+              </a:buClr>
+              <a:buSzPct val="55000"/>
+              <a:buFont typeface="Wingdings" panose="05000000000000000000" pitchFamily="2" charset="2"/>
+              <a:buChar char="n"/>
+              <a:defRPr sz="2400" b="0">
+                <a:latin typeface="+mn-lt"/>
+                <a:ea typeface="宋体" panose="02010600030101010101" pitchFamily="2" charset="-122"/>
+                <a:cs typeface="+mn-cs"/>
+              </a:defRPr>
+            </a:lvl2pPr>
+            <a:lvl3pPr marL="1143000" lvl="2" indent="-228600" algn="just" eaLnBrk="1" hangingPunct="1">
+              <a:spcBef>
+                <a:spcPct val="20000"/>
+              </a:spcBef>
+              <a:buClr>
+                <a:schemeClr val="folHlink"/>
+              </a:buClr>
+              <a:buSzPct val="50000"/>
+              <a:buFont typeface="Wingdings" panose="05000000000000000000" pitchFamily="2" charset="2"/>
+              <a:buChar char="n"/>
+              <a:defRPr sz="2000">
+                <a:latin typeface="+mn-lt"/>
+                <a:ea typeface="宋体" panose="02010600030101010101" pitchFamily="2" charset="-122"/>
+                <a:cs typeface="+mn-cs"/>
+              </a:defRPr>
+            </a:lvl3pPr>
+            <a:lvl4pPr marL="1600200" indent="-228600">
+              <a:spcBef>
+                <a:spcPct val="20000"/>
+              </a:spcBef>
+              <a:buClr>
+                <a:schemeClr val="accent2"/>
+              </a:buClr>
+              <a:buSzPct val="55000"/>
+              <a:buFont typeface="Wingdings" panose="05000000000000000000" pitchFamily="2" charset="2"/>
+              <a:buChar char="n"/>
+              <a:defRPr sz="2000">
+                <a:latin typeface="+mn-lt"/>
+                <a:cs typeface="+mn-cs"/>
+              </a:defRPr>
+            </a:lvl4pPr>
+            <a:lvl5pPr marL="2057400" indent="-228600">
+              <a:spcBef>
+                <a:spcPct val="20000"/>
+              </a:spcBef>
+              <a:buClr>
+                <a:schemeClr val="accent1"/>
+              </a:buClr>
+              <a:buSzPct val="50000"/>
+              <a:buFont typeface="Wingdings" panose="05000000000000000000" pitchFamily="2" charset="2"/>
+              <a:buChar char="n"/>
+              <a:defRPr sz="2000">
+                <a:latin typeface="+mn-lt"/>
+                <a:cs typeface="+mn-cs"/>
+              </a:defRPr>
+            </a:lvl5pPr>
+            <a:lvl6pPr marL="2514600" indent="-228600">
+              <a:lnSpc>
+                <a:spcPct val="90000"/>
+              </a:lnSpc>
+              <a:spcBef>
+                <a:spcPts val="500"/>
+              </a:spcBef>
+              <a:buFont typeface="Arial" panose="020B0604020202020204" pitchFamily="34" charset="0"/>
+              <a:buChar char="•"/>
+              <a:defRPr sz="1800">
+                <a:latin typeface="+mn-lt"/>
+                <a:cs typeface="+mn-cs"/>
+              </a:defRPr>
+            </a:lvl6pPr>
+            <a:lvl7pPr marL="2971800" indent="-228600">
+              <a:lnSpc>
+                <a:spcPct val="90000"/>
+              </a:lnSpc>
+              <a:spcBef>
+                <a:spcPts val="500"/>
+              </a:spcBef>
+              <a:buFont typeface="Arial" panose="020B0604020202020204" pitchFamily="34" charset="0"/>
+              <a:buChar char="•"/>
+              <a:defRPr sz="1800">
+                <a:latin typeface="+mn-lt"/>
+                <a:cs typeface="+mn-cs"/>
+              </a:defRPr>
+            </a:lvl7pPr>
+            <a:lvl8pPr marL="3429000" indent="-228600">
+              <a:lnSpc>
+                <a:spcPct val="90000"/>
+              </a:lnSpc>
+              <a:spcBef>
+                <a:spcPts val="500"/>
+              </a:spcBef>
+              <a:buFont typeface="Arial" panose="020B0604020202020204" pitchFamily="34" charset="0"/>
+              <a:buChar char="•"/>
+              <a:defRPr sz="1800">
+                <a:latin typeface="+mn-lt"/>
+                <a:cs typeface="+mn-cs"/>
+              </a:defRPr>
+            </a:lvl8pPr>
+            <a:lvl9pPr marL="3886200" indent="-228600">
+              <a:lnSpc>
+                <a:spcPct val="90000"/>
+              </a:lnSpc>
+              <a:spcBef>
+                <a:spcPts val="500"/>
+              </a:spcBef>
+              <a:buFont typeface="Arial" panose="020B0604020202020204" pitchFamily="34" charset="0"/>
+              <a:buChar char="•"/>
+              <a:defRPr sz="1800">
+                <a:latin typeface="+mn-lt"/>
+                <a:cs typeface="+mn-cs"/>
+              </a:defRPr>
+            </a:lvl9pPr>
+          </a:lstStyle>
+          <a:p>
+            <a:r>
+              <a:rPr lang="vi-VN" dirty="0" smtClean="0"/>
+              <a:t>Trong nhiều ứng dụng, chúng ta không cần xếp hạng toàn bộ văn bản;</a:t>
+            </a:r>
+          </a:p>
+          <a:p>
+            <a:pPr lvl="1"/>
+            <a:r>
+              <a:rPr lang="vi-VN" dirty="0" smtClean="0"/>
+              <a:t>Chỉ cần top K với K nhỏ (vd</a:t>
+            </a:r>
+            <a:r>
+              <a:rPr lang="en-US" dirty="0" smtClean="0"/>
+              <a:t>, K = 100);</a:t>
+            </a:r>
+            <a:endParaRPr lang="en-US" dirty="0"/>
+          </a:p>
+          <a:p>
+            <a:r>
+              <a:rPr lang="de-DE" dirty="0" smtClean="0"/>
+              <a:t>Cách đơn giản nhất:</a:t>
+            </a:r>
+            <a:endParaRPr lang="de-DE" dirty="0"/>
+          </a:p>
+          <a:p>
+            <a:pPr lvl="1"/>
+            <a:r>
+              <a:rPr lang="vi-VN" dirty="0" smtClean="0"/>
+              <a:t>Tính điểm cho N văn bản, sắp xếp, trả về top</a:t>
+            </a:r>
+            <a:r>
+              <a:rPr lang="en-US" dirty="0" smtClean="0"/>
+              <a:t> K;</a:t>
+            </a:r>
+          </a:p>
+          <a:p>
+            <a:pPr lvl="1"/>
+            <a:r>
+              <a:rPr lang="de-DE" dirty="0"/>
+              <a:t>Hạn chế của cách này? </a:t>
+            </a:r>
+            <a:r>
+              <a:rPr lang="vi-VN" dirty="0" smtClean="0"/>
+              <a:t>Có cách nào hiệu quả hơn để tính</a:t>
+            </a:r>
+            <a:r>
+              <a:rPr lang="en-US" dirty="0" smtClean="0"/>
+              <a:t> </a:t>
+            </a:r>
+            <a:r>
+              <a:rPr lang="en-US" dirty="0"/>
+              <a:t>top </a:t>
+            </a:r>
+            <a:r>
+              <a:rPr lang="en-US" dirty="0" smtClean="0"/>
+              <a:t>K</a:t>
+            </a:r>
+            <a:r>
+              <a:rPr lang="en-US" dirty="0"/>
+              <a:t>?</a:t>
+            </a:r>
+          </a:p>
+        </p:txBody>
+      </p:sp>
+      <p:sp>
+        <p:nvSpPr>
+          <p:cNvPr id="84997" name="Text Box 4"/>
+          <p:cNvSpPr txBox="1">
+            <a:spLocks noChangeArrowheads="1"/>
+          </p:cNvSpPr>
+          <p:nvPr/>
+        </p:nvSpPr>
+        <p:spPr bwMode="auto">
+          <a:xfrm>
+            <a:off x="7640638" y="-33338"/>
+            <a:ext cx="925512" cy="336551"/>
+          </a:xfrm>
+          <a:prstGeom prst="rect">
+            <a:avLst/>
+          </a:prstGeom>
+          <a:noFill/>
+          <a:ln w="9525">
+            <a:noFill/>
+            <a:round/>
+            <a:headEnd/>
+            <a:tailEnd/>
+          </a:ln>
+        </p:spPr>
+        <p:txBody>
+          <a:bodyPr wrap="none" anchor="ctr"/>
+          <a:lstStyle/>
+          <a:p>
+            <a:pPr>
+              <a:buClr>
+                <a:srgbClr val="000000"/>
+              </a:buClr>
+              <a:buSzPct val="100000"/>
+              <a:buFont typeface="Times New Roman" pitchFamily="16" charset="0"/>
+              <a:buNone/>
+            </a:pPr>
+            <a:endParaRPr lang="de-DE"/>
+          </a:p>
+        </p:txBody>
+      </p:sp>
+      <p:sp>
+        <p:nvSpPr>
+          <p:cNvPr id="8" name="Slide Number Placeholder 1"/>
+          <p:cNvSpPr>
+            <a:spLocks noGrp="1"/>
+          </p:cNvSpPr>
+          <p:nvPr>
+            <p:ph type="sldNum" sz="quarter" idx="12"/>
+          </p:nvPr>
+        </p:nvSpPr>
+        <p:spPr>
+          <a:xfrm>
+            <a:off x="7042150" y="6243638"/>
+            <a:ext cx="1905000" cy="457200"/>
+          </a:xfrm>
+        </p:spPr>
+        <p:txBody>
+          <a:bodyPr/>
+          <a:lstStyle/>
+          <a:p>
+            <a:pPr>
+              <a:defRPr/>
+            </a:pPr>
+            <a:fld id="{A81E07A1-38DA-436E-9EB2-1E501CB9FFA7}" type="slidenum">
+              <a:rPr lang="vi-VN" smtClean="0"/>
+              <a:pPr>
+                <a:defRPr/>
+              </a:pPr>
+              <a:t>4</a:t>
+            </a:fld>
+            <a:endParaRPr lang="vi-VN" dirty="0"/>
+          </a:p>
+        </p:txBody>
+      </p:sp>
+    </p:spTree>
+    <p:extLst>
+      <p:ext uri="{BB962C8B-B14F-4D97-AF65-F5344CB8AC3E}">
+        <p14:creationId xmlns:p14="http://schemas.microsoft.com/office/powerpoint/2010/main" val="1865936774"/>
+      </p:ext>
+    </p:extLst>
+  </p:cSld>
+  <p:clrMapOvr>
+    <a:masterClrMapping/>
+  </p:clrMapOvr>
+  <p:transition spd="med"/>
+  <p:timing>
+    <p:tnLst>
+      <p:par>
+        <p:cTn id="1" dur="indefinite" restart="never" nodeType="tmRoot">
+          <p:childTnLst>
+            <p:seq concurrent="1" nextAc="seek">
+              <p:cTn id="2" dur="indefinite" nodeType="mainSeq"/>
+              <p:prevCondLst>
+                <p:cond evt="onPrev" delay="0">
+                  <p:tgtEl>
+                    <p:sldTgt/>
+                  </p:tgtEl>
+                </p:cond>
+              </p:prevCondLst>
+              <p:nextCondLst>
+                <p:cond evt="onNext" delay="0">
+                  <p:tgtEl>
+                    <p:sldTgt/>
+                  </p:tgtEl>
+                </p:cond>
+              </p:nextCondLst>
+            </p:seq>
+          </p:childTnLst>
+        </p:cTn>
+      </p:par>
+    </p:tnLst>
+  </p:timing>
+</p:sld>
+</file>
+
+<file path=ppt/slides/slide40.xml><?xml version="1.0" encoding="utf-8"?>
+<p:sld xmlns:a="http://schemas.openxmlformats.org/drawingml/2006/main" xmlns:r="http://schemas.openxmlformats.org/officeDocument/2006/relationships" xmlns:p="http://schemas.openxmlformats.org/presentationml/2006/main">
+  <p:cSld>
+    <p:spTree>
+      <p:nvGrpSpPr>
+        <p:cNvPr id="1" name=""/>
+        <p:cNvGrpSpPr/>
+        <p:nvPr/>
+      </p:nvGrpSpPr>
+      <p:grpSpPr>
+        <a:xfrm>
+          <a:off x="0" y="0"/>
+          <a:ext cx="0" cy="0"/>
+          <a:chOff x="0" y="0"/>
+          <a:chExt cx="0" cy="0"/>
+        </a:xfrm>
+      </p:grpSpPr>
+      <p:sp>
+        <p:nvSpPr>
+          <p:cNvPr id="56322" name="Title 1"/>
+          <p:cNvSpPr>
+            <a:spLocks noGrp="1"/>
+          </p:cNvSpPr>
+          <p:nvPr>
+            <p:ph type="title"/>
+          </p:nvPr>
+        </p:nvSpPr>
+        <p:spPr/>
+        <p:txBody>
+          <a:bodyPr/>
+          <a:lstStyle/>
+          <a:p>
+            <a:r>
+              <a:rPr lang="vi-VN" sz="3600" smtClean="0">
+                <a:ea typeface="ＭＳ Ｐゴシック" panose="020B0600070205080204" pitchFamily="34" charset="-128"/>
+              </a:rPr>
+              <a:t>Bài tập </a:t>
+            </a:r>
+            <a:r>
+              <a:rPr lang="vi-VN" sz="3600" smtClean="0">
+                <a:ea typeface="ＭＳ Ｐゴシック" panose="020B0600070205080204" pitchFamily="34" charset="-128"/>
+              </a:rPr>
+              <a:t>13.3</a:t>
+            </a:r>
+            <a:endParaRPr lang="vi-VN" sz="3600" dirty="0" smtClean="0">
+              <a:ea typeface="ＭＳ Ｐゴシック" panose="020B0600070205080204" pitchFamily="34" charset="-128"/>
+            </a:endParaRPr>
+          </a:p>
+        </p:txBody>
+      </p:sp>
+      <p:sp>
+        <p:nvSpPr>
+          <p:cNvPr id="56323" name="Content Placeholder 2"/>
+          <p:cNvSpPr>
+            <a:spLocks noGrp="1"/>
+          </p:cNvSpPr>
+          <p:nvPr>
+            <p:ph idx="1"/>
+          </p:nvPr>
+        </p:nvSpPr>
+        <p:spPr>
+          <a:xfrm>
+            <a:off x="611560" y="2017713"/>
+            <a:ext cx="8343528" cy="3787551"/>
+          </a:xfrm>
+        </p:spPr>
+        <p:txBody>
+          <a:bodyPr/>
+          <a:lstStyle/>
+          <a:p>
+            <a:pPr marL="0" indent="0" algn="just">
+              <a:buNone/>
+            </a:pPr>
+            <a:r>
+              <a:rPr lang="vi-VN" sz="2800" smtClean="0">
+                <a:ea typeface="ＭＳ Ｐゴシック" panose="020B0600070205080204" pitchFamily="34" charset="-128"/>
+              </a:rPr>
+              <a:t>Vấn đề láng giềng gần nhất trên mặt phẳng có thể phát biểu như sau: Cho N điểm trên mặt phẳng, và một điểm truy vấn Q. Cần tìm tất cả các điểm trong N điểm gần với Q nhất. Để tránh tính khoảng cách từ Q đến tất cả các điểm có thể áp dụng phương pháp cắt tỉa không gian tìm kiếm dựa trên phân cụm. Hãy lấy ví dụ với hai tâm cụm sao cho phương pháp cắt tỉa trả về kết quả sai.</a:t>
+            </a:r>
+          </a:p>
+        </p:txBody>
+      </p:sp>
+      <p:sp>
+        <p:nvSpPr>
+          <p:cNvPr id="56324" name="TextBox 4"/>
+          <p:cNvSpPr txBox="1">
+            <a:spLocks noChangeArrowheads="1"/>
+          </p:cNvSpPr>
+          <p:nvPr/>
+        </p:nvSpPr>
+        <p:spPr bwMode="auto">
+          <a:xfrm>
+            <a:off x="7620000" y="-33338"/>
+            <a:ext cx="1166813" cy="338138"/>
+          </a:xfrm>
+          <a:prstGeom prst="rect">
+            <a:avLst/>
+          </a:prstGeom>
+          <a:noFill/>
+          <a:ln>
+            <a:noFill/>
+          </a:ln>
+          <a:extLst>
+            <a:ext uri="{909E8E84-426E-40DD-AFC4-6F175D3DCCD1}">
+              <a14:hiddenFill xmlns:a14="http://schemas.microsoft.com/office/drawing/2010/main">
+                <a:solidFill>
+                  <a:srgbClr val="FFFFFF"/>
+                </a:solidFill>
+              </a14:hiddenFill>
+            </a:ext>
+            <a:ext uri="{91240B29-F687-4F45-9708-019B960494DF}">
+              <a14:hiddenLine xmlns:a14="http://schemas.microsoft.com/office/drawing/2010/main" w="9525">
+                <a:solidFill>
+                  <a:srgbClr val="000000"/>
+                </a:solidFill>
+                <a:miter lim="800000"/>
+                <a:headEnd/>
+                <a:tailEnd/>
+              </a14:hiddenLine>
+            </a:ext>
+          </a:extLst>
+        </p:spPr>
+        <p:txBody>
+          <a:bodyPr wrap="none" anchor="ctr">
+            <a:spAutoFit/>
+          </a:bodyPr>
+          <a:lstStyle>
+            <a:lvl1pPr>
+              <a:spcBef>
+                <a:spcPct val="20000"/>
+              </a:spcBef>
+              <a:buClr>
+                <a:srgbClr val="437085"/>
+              </a:buClr>
+              <a:buFont typeface="Wingdings" panose="05000000000000000000" pitchFamily="2" charset="2"/>
+              <a:buChar char="§"/>
+              <a:defRPr sz="2800">
+                <a:solidFill>
+                  <a:schemeClr val="tx1"/>
+                </a:solidFill>
+                <a:latin typeface="Calibri" panose="020F0502020204030204" pitchFamily="34" charset="0"/>
+                <a:ea typeface="ＭＳ Ｐゴシック" panose="020B0600070205080204" pitchFamily="34" charset="-128"/>
+              </a:defRPr>
+            </a:lvl1pPr>
+            <a:lvl2pPr marL="742950" indent="-285750">
+              <a:spcBef>
+                <a:spcPct val="20000"/>
+              </a:spcBef>
+              <a:buClr>
+                <a:srgbClr val="357E69"/>
+              </a:buClr>
+              <a:buFont typeface="Wingdings" panose="05000000000000000000" pitchFamily="2" charset="2"/>
+              <a:buChar char="§"/>
+              <a:defRPr sz="2400">
+                <a:solidFill>
+                  <a:schemeClr val="tx1"/>
+                </a:solidFill>
+                <a:latin typeface="Calibri" panose="020F0502020204030204" pitchFamily="34" charset="0"/>
+                <a:ea typeface="ＭＳ Ｐゴシック" panose="020B0600070205080204" pitchFamily="34" charset="-128"/>
+              </a:defRPr>
+            </a:lvl2pPr>
+            <a:lvl3pPr marL="1143000" indent="-228600">
+              <a:spcBef>
+                <a:spcPct val="20000"/>
+              </a:spcBef>
+              <a:buClr>
+                <a:srgbClr val="918BA3"/>
+              </a:buClr>
+              <a:buFont typeface="Wingdings" panose="05000000000000000000" pitchFamily="2" charset="2"/>
+              <a:buChar char="§"/>
+              <a:defRPr sz="2000">
+                <a:solidFill>
+                  <a:schemeClr val="tx1"/>
+                </a:solidFill>
+                <a:latin typeface="Calibri" panose="020F0502020204030204" pitchFamily="34" charset="0"/>
+                <a:ea typeface="ＭＳ Ｐゴシック" panose="020B0600070205080204" pitchFamily="34" charset="-128"/>
+              </a:defRPr>
+            </a:lvl3pPr>
+            <a:lvl4pPr marL="1600200" indent="-228600">
+              <a:spcBef>
+                <a:spcPct val="20000"/>
+              </a:spcBef>
+              <a:buClr>
+                <a:srgbClr val="2F6E7E"/>
+              </a:buClr>
+              <a:buFont typeface="Wingdings" panose="05000000000000000000" pitchFamily="2" charset="2"/>
+              <a:buChar char="§"/>
+              <a:defRPr sz="2000">
+                <a:solidFill>
+                  <a:schemeClr val="tx1"/>
+                </a:solidFill>
+                <a:latin typeface="Calibri" panose="020F0502020204030204" pitchFamily="34" charset="0"/>
+                <a:ea typeface="ＭＳ Ｐゴシック" panose="020B0600070205080204" pitchFamily="34" charset="-128"/>
+              </a:defRPr>
+            </a:lvl4pPr>
+            <a:lvl5pPr marL="2057400" indent="-228600">
+              <a:spcBef>
+                <a:spcPct val="20000"/>
+              </a:spcBef>
+              <a:buClr>
+                <a:srgbClr val="233337"/>
+              </a:buClr>
+              <a:buFont typeface="Wingdings" panose="05000000000000000000" pitchFamily="2" charset="2"/>
+              <a:buChar char="§"/>
+              <a:defRPr sz="2000">
+                <a:solidFill>
+                  <a:schemeClr val="tx1"/>
+                </a:solidFill>
+                <a:latin typeface="Calibri" panose="020F0502020204030204" pitchFamily="34" charset="0"/>
+                <a:ea typeface="ＭＳ Ｐゴシック" panose="020B0600070205080204" pitchFamily="34" charset="-128"/>
+              </a:defRPr>
+            </a:lvl5pPr>
+            <a:lvl6pPr marL="2514600" indent="-228600" eaLnBrk="0" fontAlgn="base" hangingPunct="0">
+              <a:spcBef>
+                <a:spcPct val="20000"/>
+              </a:spcBef>
+              <a:spcAft>
+                <a:spcPct val="0"/>
+              </a:spcAft>
+              <a:buClr>
+                <a:srgbClr val="233337"/>
+              </a:buClr>
+              <a:buFont typeface="Wingdings" panose="05000000000000000000" pitchFamily="2" charset="2"/>
+              <a:buChar char="§"/>
+              <a:defRPr sz="2000">
+                <a:solidFill>
+                  <a:schemeClr val="tx1"/>
+                </a:solidFill>
+                <a:latin typeface="Calibri" panose="020F0502020204030204" pitchFamily="34" charset="0"/>
+                <a:ea typeface="ＭＳ Ｐゴシック" panose="020B0600070205080204" pitchFamily="34" charset="-128"/>
+              </a:defRPr>
+            </a:lvl6pPr>
+            <a:lvl7pPr marL="2971800" indent="-228600" eaLnBrk="0" fontAlgn="base" hangingPunct="0">
+              <a:spcBef>
+                <a:spcPct val="20000"/>
+              </a:spcBef>
+              <a:spcAft>
+                <a:spcPct val="0"/>
+              </a:spcAft>
+              <a:buClr>
+                <a:srgbClr val="233337"/>
+              </a:buClr>
+              <a:buFont typeface="Wingdings" panose="05000000000000000000" pitchFamily="2" charset="2"/>
+              <a:buChar char="§"/>
+              <a:defRPr sz="2000">
+                <a:solidFill>
+                  <a:schemeClr val="tx1"/>
+                </a:solidFill>
+                <a:latin typeface="Calibri" panose="020F0502020204030204" pitchFamily="34" charset="0"/>
+                <a:ea typeface="ＭＳ Ｐゴシック" panose="020B0600070205080204" pitchFamily="34" charset="-128"/>
+              </a:defRPr>
+            </a:lvl7pPr>
+            <a:lvl8pPr marL="3429000" indent="-228600" eaLnBrk="0" fontAlgn="base" hangingPunct="0">
+              <a:spcBef>
+                <a:spcPct val="20000"/>
+              </a:spcBef>
+              <a:spcAft>
+                <a:spcPct val="0"/>
+              </a:spcAft>
+              <a:buClr>
+                <a:srgbClr val="233337"/>
+              </a:buClr>
+              <a:buFont typeface="Wingdings" panose="05000000000000000000" pitchFamily="2" charset="2"/>
+              <a:buChar char="§"/>
+              <a:defRPr sz="2000">
+                <a:solidFill>
+                  <a:schemeClr val="tx1"/>
+                </a:solidFill>
+                <a:latin typeface="Calibri" panose="020F0502020204030204" pitchFamily="34" charset="0"/>
+                <a:ea typeface="ＭＳ Ｐゴシック" panose="020B0600070205080204" pitchFamily="34" charset="-128"/>
+              </a:defRPr>
+            </a:lvl8pPr>
+            <a:lvl9pPr marL="3886200" indent="-228600" eaLnBrk="0" fontAlgn="base" hangingPunct="0">
+              <a:spcBef>
+                <a:spcPct val="20000"/>
+              </a:spcBef>
+              <a:spcAft>
+                <a:spcPct val="0"/>
+              </a:spcAft>
+              <a:buClr>
+                <a:srgbClr val="233337"/>
+              </a:buClr>
+              <a:buFont typeface="Wingdings" panose="05000000000000000000" pitchFamily="2" charset="2"/>
+              <a:buChar char="§"/>
+              <a:defRPr sz="2000">
+                <a:solidFill>
+                  <a:schemeClr val="tx1"/>
+                </a:solidFill>
+                <a:latin typeface="Calibri" panose="020F0502020204030204" pitchFamily="34" charset="0"/>
+                <a:ea typeface="ＭＳ Ｐゴシック" panose="020B0600070205080204" pitchFamily="34" charset="-128"/>
+              </a:defRPr>
+            </a:lvl9pPr>
+          </a:lstStyle>
+          <a:p>
+            <a:pPr eaLnBrk="1" hangingPunct="1">
+              <a:spcBef>
+                <a:spcPct val="0"/>
+              </a:spcBef>
+              <a:buClrTx/>
+              <a:buFontTx/>
+              <a:buNone/>
+            </a:pPr>
+            <a:r>
+              <a:rPr lang="en-US" sz="1600">
+                <a:solidFill>
+                  <a:srgbClr val="FBFCFF"/>
+                </a:solidFill>
+                <a:latin typeface="Lucida Sans" pitchFamily="34" charset="0"/>
+                <a:ea typeface="Arial Unicode MS" panose="020B0604020202020204" pitchFamily="34" charset="-128"/>
+              </a:rPr>
+              <a:t>Sec. 7.2.3</a:t>
+            </a:r>
+          </a:p>
+        </p:txBody>
+      </p:sp>
+      <p:sp>
+        <p:nvSpPr>
+          <p:cNvPr id="2" name="Slide Number Placeholder 1"/>
+          <p:cNvSpPr>
+            <a:spLocks noGrp="1"/>
+          </p:cNvSpPr>
+          <p:nvPr>
+            <p:ph type="sldNum" sz="quarter" idx="12"/>
+          </p:nvPr>
+        </p:nvSpPr>
+        <p:spPr/>
+        <p:txBody>
+          <a:bodyPr/>
+          <a:lstStyle/>
+          <a:p>
+            <a:pPr>
+              <a:defRPr/>
+            </a:pPr>
+            <a:fld id="{18D75DDA-CB64-4086-83FF-BB38D2754AC9}" type="slidenum">
+              <a:rPr lang="vi-VN" smtClean="0"/>
+              <a:pPr>
+                <a:defRPr/>
+              </a:pPr>
+              <a:t>40</a:t>
+            </a:fld>
+            <a:endParaRPr lang="vi-VN"/>
+          </a:p>
+        </p:txBody>
+      </p:sp>
+    </p:spTree>
+    <p:extLst>
+      <p:ext uri="{BB962C8B-B14F-4D97-AF65-F5344CB8AC3E}">
+        <p14:creationId xmlns:p14="http://schemas.microsoft.com/office/powerpoint/2010/main" val="3538644217"/>
+      </p:ext>
+    </p:extLst>
+  </p:cSld>
+  <p:clrMapOvr>
+    <a:masterClrMapping/>
+  </p:clrMapOvr>
+  <p:timing>
+    <p:tnLst>
+      <p:par>
+        <p:cTn id="1" dur="indefinite" restart="never" nodeType="tmRoot"/>
+      </p:par>
+    </p:tnLst>
+  </p:timing>
+</p:sld>
+</file>
+
+<file path=ppt/slides/slide41.xml><?xml version="1.0" encoding="utf-8"?>
+<p:sld xmlns:a="http://schemas.openxmlformats.org/drawingml/2006/main" xmlns:r="http://schemas.openxmlformats.org/officeDocument/2006/relationships" xmlns:p="http://schemas.openxmlformats.org/presentationml/2006/main">
+  <p:cSld>
+    <p:spTree>
+      <p:nvGrpSpPr>
+        <p:cNvPr id="1" name=""/>
+        <p:cNvGrpSpPr/>
+        <p:nvPr/>
+      </p:nvGrpSpPr>
+      <p:grpSpPr>
+        <a:xfrm>
+          <a:off x="0" y="0"/>
+          <a:ext cx="0" cy="0"/>
+          <a:chOff x="0" y="0"/>
+          <a:chExt cx="0" cy="0"/>
+        </a:xfrm>
+      </p:grpSpPr>
+      <p:sp>
+        <p:nvSpPr>
           <p:cNvPr id="18434" name="Rectangle 2"/>
           <p:cNvSpPr>
             <a:spLocks noGrp="1" noChangeArrowheads="1"/>
@@ -43415,7 +44787,7 @@
               <a:pPr>
                 <a:defRPr/>
               </a:pPr>
-              <a:t>39</a:t>
+              <a:t>41</a:t>
             </a:fld>
             <a:endParaRPr lang="vi-VN"/>
           </a:p>
@@ -43530,562 +44902,6 @@
                   </p:par>
                 </p:childTnLst>
               </p:cTn>
-              <p:prevCondLst>
-                <p:cond evt="onPrev" delay="0">
-                  <p:tgtEl>
-                    <p:sldTgt/>
-                  </p:tgtEl>
-                </p:cond>
-              </p:prevCondLst>
-              <p:nextCondLst>
-                <p:cond evt="onNext" delay="0">
-                  <p:tgtEl>
-                    <p:sldTgt/>
-                  </p:tgtEl>
-                </p:cond>
-              </p:nextCondLst>
-            </p:seq>
-          </p:childTnLst>
-        </p:cTn>
-      </p:par>
-    </p:tnLst>
-  </p:timing>
-</p:sld>
-</file>
-
-<file path=ppt/slides/slide4.xml><?xml version="1.0" encoding="utf-8"?>
-<p:sld xmlns:a="http://schemas.openxmlformats.org/drawingml/2006/main" xmlns:r="http://schemas.openxmlformats.org/officeDocument/2006/relationships" xmlns:p="http://schemas.openxmlformats.org/presentationml/2006/main">
-  <p:cSld>
-    <p:spTree>
-      <p:nvGrpSpPr>
-        <p:cNvPr id="1" name=""/>
-        <p:cNvGrpSpPr/>
-        <p:nvPr/>
-      </p:nvGrpSpPr>
-      <p:grpSpPr>
-        <a:xfrm>
-          <a:off x="0" y="0"/>
-          <a:ext cx="0" cy="0"/>
-          <a:chOff x="0" y="0"/>
-          <a:chExt cx="0" cy="0"/>
-        </a:xfrm>
-      </p:grpSpPr>
-      <p:sp>
-        <p:nvSpPr>
-          <p:cNvPr id="84995" name="Text Box 2"/>
-          <p:cNvSpPr txBox="1">
-            <a:spLocks noChangeArrowheads="1"/>
-          </p:cNvSpPr>
-          <p:nvPr/>
-        </p:nvSpPr>
-        <p:spPr bwMode="auto">
-          <a:xfrm>
-            <a:off x="1259632" y="297458"/>
-            <a:ext cx="7884368" cy="1403350"/>
-          </a:xfrm>
-          <a:prstGeom prst="rect">
-            <a:avLst/>
-          </a:prstGeom>
-          <a:noFill/>
-          <a:ln>
-            <a:noFill/>
-          </a:ln>
-          <a:effectLst/>
-          <a:extLst>
-            <a:ext uri="{909E8E84-426E-40DD-AFC4-6F175D3DCCD1}">
-              <a14:hiddenFill xmlns:a14="http://schemas.microsoft.com/office/drawing/2010/main">
-                <a:solidFill>
-                  <a:schemeClr val="accent1"/>
-                </a:solidFill>
-              </a14:hiddenFill>
-            </a:ext>
-            <a:ext uri="{91240B29-F687-4F45-9708-019B960494DF}">
-              <a14:hiddenLine xmlns:a14="http://schemas.microsoft.com/office/drawing/2010/main" w="9525">
-                <a:solidFill>
-                  <a:schemeClr val="tx1"/>
-                </a:solidFill>
-                <a:miter lim="800000"/>
-                <a:headEnd/>
-                <a:tailEnd/>
-              </a14:hiddenLine>
-            </a:ext>
-            <a:ext uri="{AF507438-7753-43E0-B8FC-AC1667EBCBE1}">
-              <a14:hiddenEffects xmlns:a14="http://schemas.microsoft.com/office/drawing/2010/main">
-                <a:effectLst>
-                  <a:outerShdw dist="35921" dir="2700000" algn="ctr" rotWithShape="0">
-                    <a:schemeClr val="bg2"/>
-                  </a:outerShdw>
-                </a:effectLst>
-              </a14:hiddenEffects>
-            </a:ext>
-          </a:extLst>
-        </p:spPr>
-        <p:txBody>
-          <a:bodyPr vert="horz" wrap="square" lIns="91440" tIns="45720" rIns="91440" bIns="45720" numCol="1" anchor="b" anchorCtr="0" compatLnSpc="1">
-            <a:prstTxWarp prst="textNoShape">
-              <a:avLst/>
-            </a:prstTxWarp>
-          </a:bodyPr>
-          <a:lstStyle>
-            <a:defPPr>
-              <a:defRPr lang="vi-VN"/>
-            </a:defPPr>
-            <a:lvl1pPr eaLnBrk="1" hangingPunct="1">
-              <a:defRPr sz="3600" b="0">
-                <a:solidFill>
-                  <a:schemeClr val="tx2"/>
-                </a:solidFill>
-                <a:latin typeface="+mj-lt"/>
-                <a:ea typeface="+mj-ea"/>
-                <a:cs typeface="+mj-cs"/>
-              </a:defRPr>
-            </a:lvl1pPr>
-            <a:lvl2pPr>
-              <a:defRPr sz="4400">
-                <a:solidFill>
-                  <a:schemeClr val="tx2"/>
-                </a:solidFill>
-              </a:defRPr>
-            </a:lvl2pPr>
-            <a:lvl3pPr>
-              <a:defRPr sz="4400">
-                <a:solidFill>
-                  <a:schemeClr val="tx2"/>
-                </a:solidFill>
-              </a:defRPr>
-            </a:lvl3pPr>
-            <a:lvl4pPr>
-              <a:defRPr sz="4400">
-                <a:solidFill>
-                  <a:schemeClr val="tx2"/>
-                </a:solidFill>
-              </a:defRPr>
-            </a:lvl4pPr>
-            <a:lvl5pPr>
-              <a:defRPr sz="4400">
-                <a:solidFill>
-                  <a:schemeClr val="tx2"/>
-                </a:solidFill>
-              </a:defRPr>
-            </a:lvl5pPr>
-            <a:lvl6pPr marL="457200" fontAlgn="base">
-              <a:spcBef>
-                <a:spcPct val="0"/>
-              </a:spcBef>
-              <a:spcAft>
-                <a:spcPct val="0"/>
-              </a:spcAft>
-              <a:defRPr sz="4400">
-                <a:solidFill>
-                  <a:schemeClr val="tx2"/>
-                </a:solidFill>
-              </a:defRPr>
-            </a:lvl6pPr>
-            <a:lvl7pPr marL="914400" fontAlgn="base">
-              <a:spcBef>
-                <a:spcPct val="0"/>
-              </a:spcBef>
-              <a:spcAft>
-                <a:spcPct val="0"/>
-              </a:spcAft>
-              <a:defRPr sz="4400">
-                <a:solidFill>
-                  <a:schemeClr val="tx2"/>
-                </a:solidFill>
-              </a:defRPr>
-            </a:lvl7pPr>
-            <a:lvl8pPr marL="1371600" fontAlgn="base">
-              <a:spcBef>
-                <a:spcPct val="0"/>
-              </a:spcBef>
-              <a:spcAft>
-                <a:spcPct val="0"/>
-              </a:spcAft>
-              <a:defRPr sz="4400">
-                <a:solidFill>
-                  <a:schemeClr val="tx2"/>
-                </a:solidFill>
-              </a:defRPr>
-            </a:lvl8pPr>
-            <a:lvl9pPr marL="1828800" fontAlgn="base">
-              <a:spcBef>
-                <a:spcPct val="0"/>
-              </a:spcBef>
-              <a:spcAft>
-                <a:spcPct val="0"/>
-              </a:spcAft>
-              <a:defRPr sz="4400">
-                <a:solidFill>
-                  <a:schemeClr val="tx2"/>
-                </a:solidFill>
-              </a:defRPr>
-            </a:lvl9pPr>
-          </a:lstStyle>
-          <a:p>
-            <a:r>
-              <a:rPr lang="vi-VN" dirty="0" smtClean="0"/>
-              <a:t>Tính top K như thế nào</a:t>
-            </a:r>
-            <a:r>
-              <a:rPr lang="en-US" dirty="0" smtClean="0"/>
-              <a:t>?</a:t>
-            </a:r>
-            <a:endParaRPr lang="en-US" dirty="0"/>
-          </a:p>
-        </p:txBody>
-      </p:sp>
-      <p:sp>
-        <p:nvSpPr>
-          <p:cNvPr id="84996" name="Text Box 3"/>
-          <p:cNvSpPr txBox="1">
-            <a:spLocks noChangeArrowheads="1"/>
-          </p:cNvSpPr>
-          <p:nvPr/>
-        </p:nvSpPr>
-        <p:spPr bwMode="auto">
-          <a:xfrm>
-            <a:off x="395536" y="2073412"/>
-            <a:ext cx="8607330" cy="4091892"/>
-          </a:xfrm>
-          <a:prstGeom prst="rect">
-            <a:avLst/>
-          </a:prstGeom>
-          <a:noFill/>
-          <a:ln>
-            <a:noFill/>
-          </a:ln>
-          <a:effectLst/>
-          <a:extLst>
-            <a:ext uri="{909E8E84-426E-40DD-AFC4-6F175D3DCCD1}">
-              <a14:hiddenFill xmlns:a14="http://schemas.microsoft.com/office/drawing/2010/main">
-                <a:solidFill>
-                  <a:schemeClr val="accent1"/>
-                </a:solidFill>
-              </a14:hiddenFill>
-            </a:ext>
-            <a:ext uri="{91240B29-F687-4F45-9708-019B960494DF}">
-              <a14:hiddenLine xmlns:a14="http://schemas.microsoft.com/office/drawing/2010/main" w="9525">
-                <a:solidFill>
-                  <a:schemeClr val="tx1"/>
-                </a:solidFill>
-                <a:miter lim="800000"/>
-                <a:headEnd/>
-                <a:tailEnd/>
-              </a14:hiddenLine>
-            </a:ext>
-            <a:ext uri="{AF507438-7753-43E0-B8FC-AC1667EBCBE1}">
-              <a14:hiddenEffects xmlns:a14="http://schemas.microsoft.com/office/drawing/2010/main">
-                <a:effectLst>
-                  <a:outerShdw dist="35921" dir="2700000" algn="ctr" rotWithShape="0">
-                    <a:schemeClr val="bg2"/>
-                  </a:outerShdw>
-                </a:effectLst>
-              </a14:hiddenEffects>
-            </a:ext>
-          </a:extLst>
-        </p:spPr>
-        <p:txBody>
-          <a:bodyPr vert="horz" wrap="square" lIns="91440" tIns="45720" rIns="91440" bIns="45720" numCol="1" anchor="t" anchorCtr="0" compatLnSpc="1">
-            <a:prstTxWarp prst="textNoShape">
-              <a:avLst/>
-            </a:prstTxWarp>
-          </a:bodyPr>
-          <a:lstStyle>
-            <a:defPPr>
-              <a:defRPr lang="vi-VN"/>
-            </a:defPPr>
-            <a:lvl1pPr marL="342900" indent="-342900" eaLnBrk="1" hangingPunct="1">
-              <a:spcBef>
-                <a:spcPct val="20000"/>
-              </a:spcBef>
-              <a:buClr>
-                <a:schemeClr val="folHlink"/>
-              </a:buClr>
-              <a:buSzPct val="60000"/>
-              <a:buFont typeface="Wingdings" panose="05000000000000000000" pitchFamily="2" charset="2"/>
-              <a:buChar char="n"/>
-              <a:defRPr sz="2800" b="0">
-                <a:latin typeface="+mn-lt"/>
-                <a:ea typeface="宋体" panose="02010600030101010101" pitchFamily="2" charset="-122"/>
-                <a:cs typeface="+mn-cs"/>
-              </a:defRPr>
-            </a:lvl1pPr>
-            <a:lvl2pPr marL="742950" lvl="1" indent="-285750" algn="just" eaLnBrk="1" hangingPunct="1">
-              <a:spcBef>
-                <a:spcPct val="20000"/>
-              </a:spcBef>
-              <a:buClr>
-                <a:schemeClr val="hlink"/>
-              </a:buClr>
-              <a:buSzPct val="55000"/>
-              <a:buFont typeface="Wingdings" panose="05000000000000000000" pitchFamily="2" charset="2"/>
-              <a:buChar char="n"/>
-              <a:defRPr sz="2400" b="0">
-                <a:latin typeface="+mn-lt"/>
-                <a:ea typeface="宋体" panose="02010600030101010101" pitchFamily="2" charset="-122"/>
-                <a:cs typeface="+mn-cs"/>
-              </a:defRPr>
-            </a:lvl2pPr>
-            <a:lvl3pPr marL="1143000" lvl="2" indent="-228600" algn="just" eaLnBrk="1" hangingPunct="1">
-              <a:spcBef>
-                <a:spcPct val="20000"/>
-              </a:spcBef>
-              <a:buClr>
-                <a:schemeClr val="folHlink"/>
-              </a:buClr>
-              <a:buSzPct val="50000"/>
-              <a:buFont typeface="Wingdings" panose="05000000000000000000" pitchFamily="2" charset="2"/>
-              <a:buChar char="n"/>
-              <a:defRPr sz="2000">
-                <a:latin typeface="+mn-lt"/>
-                <a:ea typeface="宋体" panose="02010600030101010101" pitchFamily="2" charset="-122"/>
-                <a:cs typeface="+mn-cs"/>
-              </a:defRPr>
-            </a:lvl3pPr>
-            <a:lvl4pPr marL="1600200" indent="-228600">
-              <a:spcBef>
-                <a:spcPct val="20000"/>
-              </a:spcBef>
-              <a:buClr>
-                <a:schemeClr val="accent2"/>
-              </a:buClr>
-              <a:buSzPct val="55000"/>
-              <a:buFont typeface="Wingdings" panose="05000000000000000000" pitchFamily="2" charset="2"/>
-              <a:buChar char="n"/>
-              <a:defRPr sz="2000">
-                <a:latin typeface="+mn-lt"/>
-                <a:cs typeface="+mn-cs"/>
-              </a:defRPr>
-            </a:lvl4pPr>
-            <a:lvl5pPr marL="2057400" indent="-228600">
-              <a:spcBef>
-                <a:spcPct val="20000"/>
-              </a:spcBef>
-              <a:buClr>
-                <a:schemeClr val="accent1"/>
-              </a:buClr>
-              <a:buSzPct val="50000"/>
-              <a:buFont typeface="Wingdings" panose="05000000000000000000" pitchFamily="2" charset="2"/>
-              <a:buChar char="n"/>
-              <a:defRPr sz="2000">
-                <a:latin typeface="+mn-lt"/>
-                <a:cs typeface="+mn-cs"/>
-              </a:defRPr>
-            </a:lvl5pPr>
-            <a:lvl6pPr marL="2514600" indent="-228600">
-              <a:lnSpc>
-                <a:spcPct val="90000"/>
-              </a:lnSpc>
-              <a:spcBef>
-                <a:spcPts val="500"/>
-              </a:spcBef>
-              <a:buFont typeface="Arial" panose="020B0604020202020204" pitchFamily="34" charset="0"/>
-              <a:buChar char="•"/>
-              <a:defRPr sz="1800">
-                <a:latin typeface="+mn-lt"/>
-                <a:cs typeface="+mn-cs"/>
-              </a:defRPr>
-            </a:lvl6pPr>
-            <a:lvl7pPr marL="2971800" indent="-228600">
-              <a:lnSpc>
-                <a:spcPct val="90000"/>
-              </a:lnSpc>
-              <a:spcBef>
-                <a:spcPts val="500"/>
-              </a:spcBef>
-              <a:buFont typeface="Arial" panose="020B0604020202020204" pitchFamily="34" charset="0"/>
-              <a:buChar char="•"/>
-              <a:defRPr sz="1800">
-                <a:latin typeface="+mn-lt"/>
-                <a:cs typeface="+mn-cs"/>
-              </a:defRPr>
-            </a:lvl7pPr>
-            <a:lvl8pPr marL="3429000" indent="-228600">
-              <a:lnSpc>
-                <a:spcPct val="90000"/>
-              </a:lnSpc>
-              <a:spcBef>
-                <a:spcPts val="500"/>
-              </a:spcBef>
-              <a:buFont typeface="Arial" panose="020B0604020202020204" pitchFamily="34" charset="0"/>
-              <a:buChar char="•"/>
-              <a:defRPr sz="1800">
-                <a:latin typeface="+mn-lt"/>
-                <a:cs typeface="+mn-cs"/>
-              </a:defRPr>
-            </a:lvl8pPr>
-            <a:lvl9pPr marL="3886200" indent="-228600">
-              <a:lnSpc>
-                <a:spcPct val="90000"/>
-              </a:lnSpc>
-              <a:spcBef>
-                <a:spcPts val="500"/>
-              </a:spcBef>
-              <a:buFont typeface="Arial" panose="020B0604020202020204" pitchFamily="34" charset="0"/>
-              <a:buChar char="•"/>
-              <a:defRPr sz="1800">
-                <a:latin typeface="+mn-lt"/>
-                <a:cs typeface="+mn-cs"/>
-              </a:defRPr>
-            </a:lvl9pPr>
-          </a:lstStyle>
-          <a:p>
-            <a:r>
-              <a:rPr lang="vi-VN" dirty="0" smtClean="0"/>
-              <a:t>Trong nhiều ứng dụng, chúng ta không cần xếp hạng toàn bộ văn bản;</a:t>
-            </a:r>
-          </a:p>
-          <a:p>
-            <a:pPr lvl="1"/>
-            <a:r>
-              <a:rPr lang="vi-VN" dirty="0" smtClean="0"/>
-              <a:t>Chỉ cần top K với K nhỏ (vd</a:t>
-            </a:r>
-            <a:r>
-              <a:rPr lang="en-US" dirty="0" smtClean="0"/>
-              <a:t>, K = 100);</a:t>
-            </a:r>
-            <a:endParaRPr lang="en-US" dirty="0"/>
-          </a:p>
-          <a:p>
-            <a:r>
-              <a:rPr lang="de-DE" dirty="0" smtClean="0"/>
-              <a:t>Cách đơn giản nhất:</a:t>
-            </a:r>
-            <a:endParaRPr lang="de-DE" dirty="0"/>
-          </a:p>
-          <a:p>
-            <a:pPr lvl="1"/>
-            <a:r>
-              <a:rPr lang="vi-VN" dirty="0" smtClean="0"/>
-              <a:t>Tính điểm cho N văn bản, sắp xếp, trả về top</a:t>
-            </a:r>
-            <a:r>
-              <a:rPr lang="en-US" dirty="0" smtClean="0"/>
-              <a:t> K;</a:t>
-            </a:r>
-          </a:p>
-          <a:p>
-            <a:pPr lvl="1"/>
-            <a:r>
-              <a:rPr lang="de-DE" dirty="0"/>
-              <a:t>Hạn chế của cách này? </a:t>
-            </a:r>
-            <a:r>
-              <a:rPr lang="vi-VN" dirty="0" smtClean="0"/>
-              <a:t>Có cách nào hiệu quả hơn để tính</a:t>
-            </a:r>
-            <a:r>
-              <a:rPr lang="en-US" dirty="0" smtClean="0"/>
-              <a:t> </a:t>
-            </a:r>
-            <a:r>
-              <a:rPr lang="en-US" dirty="0"/>
-              <a:t>top </a:t>
-            </a:r>
-            <a:r>
-              <a:rPr lang="en-US" dirty="0" smtClean="0"/>
-              <a:t>K</a:t>
-            </a:r>
-            <a:r>
-              <a:rPr lang="en-US" dirty="0"/>
-              <a:t>?</a:t>
-            </a:r>
-          </a:p>
-        </p:txBody>
-      </p:sp>
-      <p:sp>
-        <p:nvSpPr>
-          <p:cNvPr id="84997" name="Text Box 4"/>
-          <p:cNvSpPr txBox="1">
-            <a:spLocks noChangeArrowheads="1"/>
-          </p:cNvSpPr>
-          <p:nvPr/>
-        </p:nvSpPr>
-        <p:spPr bwMode="auto">
-          <a:xfrm>
-            <a:off x="7640638" y="-33338"/>
-            <a:ext cx="925512" cy="336551"/>
-          </a:xfrm>
-          <a:prstGeom prst="rect">
-            <a:avLst/>
-          </a:prstGeom>
-          <a:noFill/>
-          <a:ln w="9525">
-            <a:noFill/>
-            <a:round/>
-            <a:headEnd/>
-            <a:tailEnd/>
-          </a:ln>
-        </p:spPr>
-        <p:txBody>
-          <a:bodyPr wrap="none" anchor="ctr"/>
-          <a:lstStyle/>
-          <a:p>
-            <a:pPr>
-              <a:buClr>
-                <a:srgbClr val="000000"/>
-              </a:buClr>
-              <a:buSzPct val="100000"/>
-              <a:buFont typeface="Times New Roman" pitchFamily="16" charset="0"/>
-              <a:buNone/>
-            </a:pPr>
-            <a:endParaRPr lang="de-DE"/>
-          </a:p>
-        </p:txBody>
-      </p:sp>
-      <p:sp>
-        <p:nvSpPr>
-          <p:cNvPr id="8" name="Slide Number Placeholder 1"/>
-          <p:cNvSpPr>
-            <a:spLocks noGrp="1"/>
-          </p:cNvSpPr>
-          <p:nvPr>
-            <p:ph type="sldNum" sz="quarter" idx="12"/>
-          </p:nvPr>
-        </p:nvSpPr>
-        <p:spPr>
-          <a:xfrm>
-            <a:off x="7042150" y="6243638"/>
-            <a:ext cx="1905000" cy="457200"/>
-          </a:xfrm>
-        </p:spPr>
-        <p:txBody>
-          <a:bodyPr/>
-          <a:lstStyle/>
-          <a:p>
-            <a:pPr>
-              <a:defRPr/>
-            </a:pPr>
-            <a:fld id="{A81E07A1-38DA-436E-9EB2-1E501CB9FFA7}" type="slidenum">
-              <a:rPr lang="vi-VN" smtClean="0"/>
-              <a:pPr>
-                <a:defRPr/>
-              </a:pPr>
-              <a:t>4</a:t>
-            </a:fld>
-            <a:endParaRPr lang="vi-VN" dirty="0"/>
-          </a:p>
-        </p:txBody>
-      </p:sp>
-    </p:spTree>
-    <p:extLst>
-      <p:ext uri="{BB962C8B-B14F-4D97-AF65-F5344CB8AC3E}">
-        <p14:creationId xmlns:p14="http://schemas.microsoft.com/office/powerpoint/2010/main" val="1865936774"/>
-      </p:ext>
-    </p:extLst>
-  </p:cSld>
-  <p:clrMapOvr>
-    <a:masterClrMapping/>
-  </p:clrMapOvr>
-  <p:transition spd="med"/>
-  <p:timing>
-    <p:tnLst>
-      <p:par>
-        <p:cTn id="1" dur="indefinite" restart="never" nodeType="tmRoot">
-          <p:childTnLst>
-            <p:seq concurrent="1" nextAc="seek">
-              <p:cTn id="2" dur="indefinite" nodeType="mainSeq"/>
               <p:prevCondLst>
                 <p:cond evt="onPrev" delay="0">
                   <p:tgtEl>
@@ -47411,7 +48227,7 @@
   </a:extraClrSchemeLst>
   <a:extLst>
     <a:ext uri="{05A4C25C-085E-4340-85A3-A5531E510DB2}">
-      <thm15:themeFamily xmlns="" xmlns:thm15="http://schemas.microsoft.com/office/thememl/2012/main" name="Office Theme" id="{62F939B6-93AF-4DB8-9C6B-D6C7DFDC589F}" vid="{4A3C46E8-61CC-4603-A589-7422A47A8E4A}"/>
+      <thm15:themeFamily xmlns:thm15="http://schemas.microsoft.com/office/thememl/2012/main" xmlns="" name="Office Theme" id="{62F939B6-93AF-4DB8-9C6B-D6C7DFDC589F}" vid="{4A3C46E8-61CC-4603-A589-7422A47A8E4A}"/>
     </a:ext>
   </a:extLst>
 </a:theme>
@@ -47672,7 +48488,7 @@
   <a:extraClrSchemeLst/>
   <a:extLst>
     <a:ext uri="{05A4C25C-085E-4340-85A3-A5531E510DB2}">
-      <thm15:themeFamily xmlns="" xmlns:thm15="http://schemas.microsoft.com/office/thememl/2012/main" name="Office Theme" id="{62F939B6-93AF-4DB8-9C6B-D6C7DFDC589F}" vid="{4A3C46E8-61CC-4603-A589-7422A47A8E4A}"/>
+      <thm15:themeFamily xmlns:thm15="http://schemas.microsoft.com/office/thememl/2012/main" xmlns="" name="Office Theme" id="{62F939B6-93AF-4DB8-9C6B-D6C7DFDC589F}" vid="{4A3C46E8-61CC-4603-A589-7422A47A8E4A}"/>
     </a:ext>
   </a:extLst>
 </a:theme>

--- a/Bai 13 Cai dat VSM.pptx
+++ b/Bai 13 Cai dat VSM.pptx
@@ -179,7 +179,7 @@
   </p:defaultTextStyle>
   <p:extLst>
     <p:ext uri="{EFAFB233-063F-42B5-8137-9DF3F51BA10A}">
-      <p15:sldGuideLst xmlns:p15="http://schemas.microsoft.com/office/powerpoint/2012/main" xmlns="">
+      <p15:sldGuideLst xmlns="" xmlns:p15="http://schemas.microsoft.com/office/powerpoint/2012/main">
         <p15:guide id="1" orient="horz" pos="2160">
           <p15:clr>
             <a:srgbClr val="A4A3A4"/>
@@ -42828,19 +42828,7 @@
               <a:rPr lang="vi-VN" sz="2800" smtClean="0">
                 <a:ea typeface="ＭＳ Ｐゴシック" panose="020B0600070205080204" pitchFamily="34" charset="-128"/>
               </a:rPr>
-              <a:t>lượng </a:t>
-            </a:r>
-            <a:r>
-              <a:rPr lang="vi-VN" sz="2800" smtClean="0">
-                <a:ea typeface="ＭＳ Ｐゴシック" panose="020B0600070205080204" pitchFamily="34" charset="-128"/>
-              </a:rPr>
-              <a:t>ưu tiên</a:t>
-            </a:r>
-            <a:r>
-              <a:rPr lang="vi-VN" sz="2800" smtClean="0">
-                <a:ea typeface="ＭＳ Ｐゴシック" panose="020B0600070205080204" pitchFamily="34" charset="-128"/>
-              </a:rPr>
-              <a:t> </a:t>
+              <a:t>lượng ưu tiên </a:t>
             </a:r>
             <a:r>
               <a:rPr lang="vi-VN" sz="2800" dirty="0" smtClean="0">
@@ -42852,19 +42840,7 @@
               <a:rPr lang="vi-VN" sz="2800" smtClean="0">
                 <a:ea typeface="ＭＳ Ｐゴシック" panose="020B0600070205080204" pitchFamily="34" charset="-128"/>
               </a:rPr>
-              <a:t>lượng </a:t>
-            </a:r>
-            <a:r>
-              <a:rPr lang="vi-VN" sz="2800" smtClean="0">
-                <a:ea typeface="ＭＳ Ｐゴシック" panose="020B0600070205080204" pitchFamily="34" charset="-128"/>
-              </a:rPr>
-              <a:t>ưu tiên</a:t>
-            </a:r>
-            <a:r>
-              <a:rPr lang="vi-VN" sz="2800" smtClean="0">
-                <a:ea typeface="ＭＳ Ｐゴシック" panose="020B0600070205080204" pitchFamily="34" charset="-128"/>
-              </a:rPr>
-              <a:t> </a:t>
+              <a:t>lượng ưu tiên </a:t>
             </a:r>
             <a:r>
               <a:rPr lang="vi-VN" sz="2800" dirty="0" smtClean="0">
@@ -42876,19 +42852,7 @@
               <a:rPr lang="vi-VN" sz="2800" smtClean="0">
                 <a:ea typeface="ＭＳ Ｐゴシック" panose="020B0600070205080204" pitchFamily="34" charset="-128"/>
               </a:rPr>
-              <a:t>tf </a:t>
-            </a:r>
-            <a:r>
-              <a:rPr lang="vi-VN" sz="2800" smtClean="0">
-                <a:ea typeface="ＭＳ Ｐゴシック" panose="020B0600070205080204" pitchFamily="34" charset="-128"/>
-              </a:rPr>
-              <a:t>đã </a:t>
-            </a:r>
-            <a:r>
-              <a:rPr lang="vi-VN" sz="2800" smtClean="0">
-                <a:ea typeface="ＭＳ Ｐゴシック" panose="020B0600070205080204" pitchFamily="34" charset="-128"/>
-              </a:rPr>
-              <a:t>chuẩn </a:t>
+              <a:t>tf đã chuẩn </a:t>
             </a:r>
             <a:r>
               <a:rPr lang="vi-VN" sz="2800" dirty="0" smtClean="0">
@@ -42900,13 +42864,7 @@
               <a:rPr lang="vi-VN" sz="2800" smtClean="0">
                 <a:ea typeface="ＭＳ Ｐゴシック" panose="020B0600070205080204" pitchFamily="34" charset="-128"/>
               </a:rPr>
-              <a:t>Euclid </a:t>
-            </a:r>
-            <a:r>
-              <a:rPr lang="vi-VN" sz="2800" smtClean="0">
-                <a:ea typeface="ＭＳ Ｐゴシック" panose="020B0600070205080204" pitchFamily="34" charset="-128"/>
-              </a:rPr>
-              <a:t>(chuẩn hóa Euclid là tên gọi khác của chuẩn </a:t>
+              <a:t>Euclid (chuẩn hóa Euclid là tên gọi khác của chuẩn </a:t>
             </a:r>
             <a:r>
               <a:rPr lang="vi-VN" sz="2800" dirty="0" smtClean="0">
@@ -43425,13 +43383,7 @@
               <a:rPr lang="vi-VN" sz="3600" smtClean="0">
                 <a:ea typeface="ＭＳ Ｐゴシック" panose="020B0600070205080204" pitchFamily="34" charset="-128"/>
               </a:rPr>
-              <a:t>Bài tập </a:t>
-            </a:r>
-            <a:r>
-              <a:rPr lang="vi-VN" sz="3600" smtClean="0">
-                <a:ea typeface="ＭＳ Ｐゴシック" panose="020B0600070205080204" pitchFamily="34" charset="-128"/>
-              </a:rPr>
-              <a:t>13.2</a:t>
+              <a:t>Bài tập 13.2</a:t>
             </a:r>
             <a:endParaRPr lang="vi-VN" sz="3600" dirty="0" smtClean="0">
               <a:ea typeface="ＭＳ Ｐゴシック" panose="020B0600070205080204" pitchFamily="34" charset="-128"/>
@@ -44345,13 +44297,7 @@
               <a:rPr lang="vi-VN" sz="3600" smtClean="0">
                 <a:ea typeface="ＭＳ Ｐゴシック" panose="020B0600070205080204" pitchFamily="34" charset="-128"/>
               </a:rPr>
-              <a:t>Bài tập </a:t>
-            </a:r>
-            <a:r>
-              <a:rPr lang="vi-VN" sz="3600" smtClean="0">
-                <a:ea typeface="ＭＳ Ｐゴシック" panose="020B0600070205080204" pitchFamily="34" charset="-128"/>
-              </a:rPr>
-              <a:t>13.3</a:t>
+              <a:t>Bài tập 13.3</a:t>
             </a:r>
             <a:endParaRPr lang="vi-VN" sz="3600" dirty="0" smtClean="0">
               <a:ea typeface="ＭＳ Ｐゴシック" panose="020B0600070205080204" pitchFamily="34" charset="-128"/>
@@ -44942,6 +44888,30 @@
           <a:chExt cx="0" cy="0"/>
         </a:xfrm>
       </p:grpSpPr>
+      <p:pic>
+        <p:nvPicPr>
+          <p:cNvPr id="10" name="Picture 9" descr="733.png"/>
+          <p:cNvPicPr>
+            <a:picLocks noChangeAspect="1"/>
+          </p:cNvPicPr>
+          <p:nvPr/>
+        </p:nvPicPr>
+        <p:blipFill>
+          <a:blip r:embed="rId3"/>
+          <a:stretch>
+            <a:fillRect/>
+          </a:stretch>
+        </p:blipFill>
+        <p:spPr>
+          <a:xfrm>
+            <a:off x="3491880" y="3717032"/>
+            <a:ext cx="4213151" cy="3141016"/>
+          </a:xfrm>
+          <a:prstGeom prst="rect">
+            <a:avLst/>
+          </a:prstGeom>
+        </p:spPr>
+      </p:pic>
       <p:sp>
         <p:nvSpPr>
           <p:cNvPr id="84995" name="Text Box 2"/>
@@ -45112,8 +45082,8 @@
         </p:nvSpPr>
         <p:spPr bwMode="auto">
           <a:xfrm>
-            <a:off x="467543" y="1801340"/>
-            <a:ext cx="8393229" cy="3571876"/>
+            <a:off x="467543" y="1916832"/>
+            <a:ext cx="8393229" cy="3067820"/>
           </a:xfrm>
           <a:prstGeom prst="rect">
             <a:avLst/>
@@ -45449,30 +45419,6 @@
           </a:p>
         </p:txBody>
       </p:sp>
-      <p:pic>
-        <p:nvPicPr>
-          <p:cNvPr id="10" name="Picture 9" descr="733.png"/>
-          <p:cNvPicPr>
-            <a:picLocks noChangeAspect="1"/>
-          </p:cNvPicPr>
-          <p:nvPr/>
-        </p:nvPicPr>
-        <p:blipFill>
-          <a:blip r:embed="rId3"/>
-          <a:stretch>
-            <a:fillRect/>
-          </a:stretch>
-        </p:blipFill>
-        <p:spPr>
-          <a:xfrm>
-            <a:off x="3491880" y="3716984"/>
-            <a:ext cx="4213151" cy="3141016"/>
-          </a:xfrm>
-          <a:prstGeom prst="rect">
-            <a:avLst/>
-          </a:prstGeom>
-        </p:spPr>
-      </p:pic>
       <p:sp>
         <p:nvSpPr>
           <p:cNvPr id="2" name="TextBox 1"/>
@@ -48227,7 +48173,7 @@
   </a:extraClrSchemeLst>
   <a:extLst>
     <a:ext uri="{05A4C25C-085E-4340-85A3-A5531E510DB2}">
-      <thm15:themeFamily xmlns:thm15="http://schemas.microsoft.com/office/thememl/2012/main" xmlns="" name="Office Theme" id="{62F939B6-93AF-4DB8-9C6B-D6C7DFDC589F}" vid="{4A3C46E8-61CC-4603-A589-7422A47A8E4A}"/>
+      <thm15:themeFamily xmlns="" xmlns:thm15="http://schemas.microsoft.com/office/thememl/2012/main" name="Office Theme" id="{62F939B6-93AF-4DB8-9C6B-D6C7DFDC589F}" vid="{4A3C46E8-61CC-4603-A589-7422A47A8E4A}"/>
     </a:ext>
   </a:extLst>
 </a:theme>
@@ -48276,7 +48222,7 @@
     </a:clrScheme>
     <a:fontScheme name="Office">
       <a:majorFont>
-        <a:latin typeface="Calibri Light" panose="020F0302020204030204"/>
+        <a:latin typeface="Calibri Light"/>
         <a:ea typeface=""/>
         <a:cs typeface=""/>
         <a:font script="Jpan" typeface="ＭＳ Ｐゴシック"/>
@@ -48311,7 +48257,7 @@
         <a:font script="Geor" typeface="Sylfaen"/>
       </a:majorFont>
       <a:minorFont>
-        <a:latin typeface="Calibri" panose="020F0502020204030204"/>
+        <a:latin typeface="Calibri"/>
         <a:ea typeface=""/>
         <a:cs typeface=""/>
         <a:font script="Jpan" typeface="ＭＳ Ｐゴシック"/>
@@ -48488,7 +48434,7 @@
   <a:extraClrSchemeLst/>
   <a:extLst>
     <a:ext uri="{05A4C25C-085E-4340-85A3-A5531E510DB2}">
-      <thm15:themeFamily xmlns:thm15="http://schemas.microsoft.com/office/thememl/2012/main" xmlns="" name="Office Theme" id="{62F939B6-93AF-4DB8-9C6B-D6C7DFDC589F}" vid="{4A3C46E8-61CC-4603-A589-7422A47A8E4A}"/>
+      <thm15:themeFamily xmlns="" xmlns:thm15="http://schemas.microsoft.com/office/thememl/2012/main" name="Office Theme" id="{62F939B6-93AF-4DB8-9C6B-D6C7DFDC589F}" vid="{4A3C46E8-61CC-4603-A589-7422A47A8E4A}"/>
     </a:ext>
   </a:extLst>
 </a:theme>

--- a/Bai 13 Cai dat VSM.pptx
+++ b/Bai 13 Cai dat VSM.pptx
@@ -179,7 +179,7 @@
   </p:defaultTextStyle>
   <p:extLst>
     <p:ext uri="{EFAFB233-063F-42B5-8137-9DF3F51BA10A}">
-      <p15:sldGuideLst xmlns="" xmlns:p15="http://schemas.microsoft.com/office/powerpoint/2012/main">
+      <p15:sldGuideLst xmlns:p15="http://schemas.microsoft.com/office/powerpoint/2012/main" xmlns="">
         <p15:guide id="1" orient="horz" pos="2160">
           <p15:clr>
             <a:srgbClr val="A4A3A4"/>
@@ -1557,6 +1557,102 @@
         </p:txBody>
       </p:sp>
     </p:spTree>
+  </p:cSld>
+  <p:clrMapOvr>
+    <a:masterClrMapping/>
+  </p:clrMapOvr>
+</p:notes>
+</file>
+
+<file path=ppt/notesSlides/notesSlide16.xml><?xml version="1.0" encoding="utf-8"?>
+<p:notes xmlns:a="http://schemas.openxmlformats.org/drawingml/2006/main" xmlns:r="http://schemas.openxmlformats.org/officeDocument/2006/relationships" xmlns:p="http://schemas.openxmlformats.org/presentationml/2006/main">
+  <p:cSld>
+    <p:spTree>
+      <p:nvGrpSpPr>
+        <p:cNvPr id="1" name=""/>
+        <p:cNvGrpSpPr/>
+        <p:nvPr/>
+      </p:nvGrpSpPr>
+      <p:grpSpPr>
+        <a:xfrm>
+          <a:off x="0" y="0"/>
+          <a:ext cx="0" cy="0"/>
+          <a:chOff x="0" y="0"/>
+          <a:chExt cx="0" cy="0"/>
+        </a:xfrm>
+      </p:grpSpPr>
+      <p:sp>
+        <p:nvSpPr>
+          <p:cNvPr id="2" name="Slide Image Placeholder 1"/>
+          <p:cNvSpPr>
+            <a:spLocks noGrp="1" noRot="1" noChangeAspect="1"/>
+          </p:cNvSpPr>
+          <p:nvPr>
+            <p:ph type="sldImg"/>
+          </p:nvPr>
+        </p:nvSpPr>
+        <p:spPr/>
+      </p:sp>
+      <p:sp>
+        <p:nvSpPr>
+          <p:cNvPr id="3" name="Notes Placeholder 2"/>
+          <p:cNvSpPr>
+            <a:spLocks noGrp="1"/>
+          </p:cNvSpPr>
+          <p:nvPr>
+            <p:ph type="body" idx="1"/>
+          </p:nvPr>
+        </p:nvSpPr>
+        <p:spPr/>
+        <p:txBody>
+          <a:bodyPr/>
+          <a:lstStyle/>
+          <a:p>
+            <a:r>
+              <a:rPr lang="vi-VN" sz="1200" smtClean="0">
+                <a:ea typeface="ＭＳ Ｐゴシック" panose="020B0600070205080204" pitchFamily="34" charset="-128"/>
+              </a:rPr>
+              <a:t>chuẩn hóa Euclid là tên gọi khác của chuẩn hóa cosine</a:t>
+            </a:r>
+            <a:endParaRPr lang="vi-VN"/>
+          </a:p>
+        </p:txBody>
+      </p:sp>
+      <p:sp>
+        <p:nvSpPr>
+          <p:cNvPr id="4" name="Slide Number Placeholder 3"/>
+          <p:cNvSpPr>
+            <a:spLocks noGrp="1"/>
+          </p:cNvSpPr>
+          <p:nvPr>
+            <p:ph type="sldNum" sz="quarter" idx="10"/>
+          </p:nvPr>
+        </p:nvSpPr>
+        <p:spPr/>
+        <p:txBody>
+          <a:bodyPr/>
+          <a:lstStyle/>
+          <a:p>
+            <a:pPr>
+              <a:defRPr/>
+            </a:pPr>
+            <a:fld id="{585E8FF7-254D-404A-8133-35E4F866AECA}" type="slidenum">
+              <a:rPr lang="vi-VN" smtClean="0"/>
+              <a:pPr>
+                <a:defRPr/>
+              </a:pPr>
+              <a:t>38</a:t>
+            </a:fld>
+            <a:endParaRPr lang="vi-VN"/>
+          </a:p>
+        </p:txBody>
+      </p:sp>
+    </p:spTree>
+    <p:extLst>
+      <p:ext uri="{BB962C8B-B14F-4D97-AF65-F5344CB8AC3E}">
+        <p14:creationId xmlns:p14="http://schemas.microsoft.com/office/powerpoint/2010/main" val="2283231088"/>
+      </p:ext>
+    </p:extLst>
   </p:cSld>
   <p:clrMapOvr>
     <a:masterClrMapping/>
@@ -42852,25 +42948,13 @@
               <a:rPr lang="vi-VN" sz="2800" smtClean="0">
                 <a:ea typeface="ＭＳ Ｐゴシック" panose="020B0600070205080204" pitchFamily="34" charset="-128"/>
               </a:rPr>
-              <a:t>tf đã chuẩn </a:t>
-            </a:r>
-            <a:r>
-              <a:rPr lang="vi-VN" sz="2800" dirty="0" smtClean="0">
+              <a:t>tf đã chuẩn hóa </a:t>
+            </a:r>
+            <a:r>
+              <a:rPr lang="vi-VN" sz="2800" smtClean="0">
                 <a:ea typeface="ＭＳ Ｐゴシック" panose="020B0600070205080204" pitchFamily="34" charset="-128"/>
               </a:rPr>
-              <a:t>hóa </a:t>
-            </a:r>
-            <a:r>
-              <a:rPr lang="vi-VN" sz="2800" smtClean="0">
-                <a:ea typeface="ＭＳ Ｐゴシック" panose="020B0600070205080204" pitchFamily="34" charset="-128"/>
-              </a:rPr>
-              <a:t>Euclid (chuẩn hóa Euclid là tên gọi khác của chuẩn </a:t>
-            </a:r>
-            <a:r>
-              <a:rPr lang="vi-VN" sz="2800" dirty="0" smtClean="0">
-                <a:ea typeface="ＭＳ Ｐゴシック" panose="020B0600070205080204" pitchFamily="34" charset="-128"/>
-              </a:rPr>
-              <a:t>hóa cosine).</a:t>
+              <a:t>Euclid.</a:t>
             </a:r>
             <a:endParaRPr lang="vi-VN" sz="2800" dirty="0" smtClean="0">
               <a:solidFill>
@@ -43151,7 +43235,7 @@
         </p:nvSpPr>
         <p:spPr>
           <a:xfrm>
-            <a:off x="4696099" y="4360160"/>
+            <a:off x="4696099" y="4030342"/>
             <a:ext cx="3960440" cy="523220"/>
           </a:xfrm>
           <a:prstGeom prst="rect">
@@ -43184,60 +43268,6 @@
       <p:pic>
         <p:nvPicPr>
           <p:cNvPr id="1027" name="Picture 3"/>
-          <p:cNvPicPr>
-            <a:picLocks noChangeAspect="1" noChangeArrowheads="1"/>
-          </p:cNvPicPr>
-          <p:nvPr/>
-        </p:nvPicPr>
-        <p:blipFill>
-          <a:blip r:embed="rId2">
-            <a:extLst>
-              <a:ext uri="{28A0092B-C50C-407E-A947-70E740481C1C}">
-                <a14:useLocalDpi xmlns:a14="http://schemas.microsoft.com/office/drawing/2010/main" val="0"/>
-              </a:ext>
-            </a:extLst>
-          </a:blip>
-          <a:srcRect/>
-          <a:stretch>
-            <a:fillRect/>
-          </a:stretch>
-        </p:blipFill>
-        <p:spPr bwMode="auto">
-          <a:xfrm>
-            <a:off x="4696099" y="4883380"/>
-            <a:ext cx="3960440" cy="1713972"/>
-          </a:xfrm>
-          <a:prstGeom prst="rect">
-            <a:avLst/>
-          </a:prstGeom>
-          <a:noFill/>
-          <a:ln>
-            <a:noFill/>
-          </a:ln>
-          <a:extLst>
-            <a:ext uri="{909E8E84-426E-40DD-AFC4-6F175D3DCCD1}">
-              <a14:hiddenFill xmlns:a14="http://schemas.microsoft.com/office/drawing/2010/main">
-                <a:solidFill>
-                  <a:schemeClr val="accent1"/>
-                </a:solidFill>
-              </a14:hiddenFill>
-            </a:ext>
-            <a:ext uri="{91240B29-F687-4F45-9708-019B960494DF}">
-              <a14:hiddenLine xmlns:a14="http://schemas.microsoft.com/office/drawing/2010/main" w="9525">
-                <a:solidFill>
-                  <a:schemeClr val="tx1"/>
-                </a:solidFill>
-                <a:miter lim="800000"/>
-                <a:headEnd/>
-                <a:tailEnd/>
-              </a14:hiddenLine>
-            </a:ext>
-          </a:extLst>
-        </p:spPr>
-      </p:pic>
-      <p:pic>
-        <p:nvPicPr>
-          <p:cNvPr id="12" name="Picture 4"/>
           <p:cNvPicPr>
             <a:picLocks noChangeAspect="1" noChangeArrowheads="1"/>
           </p:cNvPicPr>
@@ -43258,7 +43288,61 @@
         </p:blipFill>
         <p:spPr bwMode="auto">
           <a:xfrm>
-            <a:off x="723824" y="4951833"/>
+            <a:off x="4696099" y="4553562"/>
+            <a:ext cx="3960440" cy="1713972"/>
+          </a:xfrm>
+          <a:prstGeom prst="rect">
+            <a:avLst/>
+          </a:prstGeom>
+          <a:noFill/>
+          <a:ln>
+            <a:noFill/>
+          </a:ln>
+          <a:extLst>
+            <a:ext uri="{909E8E84-426E-40DD-AFC4-6F175D3DCCD1}">
+              <a14:hiddenFill xmlns:a14="http://schemas.microsoft.com/office/drawing/2010/main">
+                <a:solidFill>
+                  <a:schemeClr val="accent1"/>
+                </a:solidFill>
+              </a14:hiddenFill>
+            </a:ext>
+            <a:ext uri="{91240B29-F687-4F45-9708-019B960494DF}">
+              <a14:hiddenLine xmlns:a14="http://schemas.microsoft.com/office/drawing/2010/main" w="9525">
+                <a:solidFill>
+                  <a:schemeClr val="tx1"/>
+                </a:solidFill>
+                <a:miter lim="800000"/>
+                <a:headEnd/>
+                <a:tailEnd/>
+              </a14:hiddenLine>
+            </a:ext>
+          </a:extLst>
+        </p:spPr>
+      </p:pic>
+      <p:pic>
+        <p:nvPicPr>
+          <p:cNvPr id="12" name="Picture 4"/>
+          <p:cNvPicPr>
+            <a:picLocks noChangeAspect="1" noChangeArrowheads="1"/>
+          </p:cNvPicPr>
+          <p:nvPr/>
+        </p:nvPicPr>
+        <p:blipFill>
+          <a:blip r:embed="rId4">
+            <a:extLst>
+              <a:ext uri="{28A0092B-C50C-407E-A947-70E740481C1C}">
+                <a14:useLocalDpi xmlns:a14="http://schemas.microsoft.com/office/drawing/2010/main" val="0"/>
+              </a:ext>
+            </a:extLst>
+          </a:blip>
+          <a:srcRect/>
+          <a:stretch>
+            <a:fillRect/>
+          </a:stretch>
+        </p:blipFill>
+        <p:spPr bwMode="auto">
+          <a:xfrm>
+            <a:off x="723824" y="4622015"/>
             <a:ext cx="3842001" cy="1577066"/>
           </a:xfrm>
           <a:prstGeom prst="rect">
@@ -43297,7 +43381,7 @@
         </p:nvSpPr>
         <p:spPr>
           <a:xfrm>
-            <a:off x="899592" y="4334882"/>
+            <a:off x="899592" y="4005064"/>
             <a:ext cx="2911326" cy="523220"/>
           </a:xfrm>
           <a:prstGeom prst="rect">
@@ -48173,7 +48257,7 @@
   </a:extraClrSchemeLst>
   <a:extLst>
     <a:ext uri="{05A4C25C-085E-4340-85A3-A5531E510DB2}">
-      <thm15:themeFamily xmlns="" xmlns:thm15="http://schemas.microsoft.com/office/thememl/2012/main" name="Office Theme" id="{62F939B6-93AF-4DB8-9C6B-D6C7DFDC589F}" vid="{4A3C46E8-61CC-4603-A589-7422A47A8E4A}"/>
+      <thm15:themeFamily xmlns:thm15="http://schemas.microsoft.com/office/thememl/2012/main" xmlns="" name="Office Theme" id="{62F939B6-93AF-4DB8-9C6B-D6C7DFDC589F}" vid="{4A3C46E8-61CC-4603-A589-7422A47A8E4A}"/>
     </a:ext>
   </a:extLst>
 </a:theme>
@@ -48434,7 +48518,7 @@
   <a:extraClrSchemeLst/>
   <a:extLst>
     <a:ext uri="{05A4C25C-085E-4340-85A3-A5531E510DB2}">
-      <thm15:themeFamily xmlns="" xmlns:thm15="http://schemas.microsoft.com/office/thememl/2012/main" name="Office Theme" id="{62F939B6-93AF-4DB8-9C6B-D6C7DFDC589F}" vid="{4A3C46E8-61CC-4603-A589-7422A47A8E4A}"/>
+      <thm15:themeFamily xmlns:thm15="http://schemas.microsoft.com/office/thememl/2012/main" xmlns="" name="Office Theme" id="{62F939B6-93AF-4DB8-9C6B-D6C7DFDC589F}" vid="{4A3C46E8-61CC-4603-A589-7422A47A8E4A}"/>
     </a:ext>
   </a:extLst>
 </a:theme>
